--- a/curriculum/1_preparation/1_docker_mac.pptx
+++ b/curriculum/1_preparation/1_docker_mac.pptx
@@ -5,11 +5,14 @@
     <p:sldMasterId id="2147483648" r:id="rId1"/>
   </p:sldMasterIdLst>
   <p:notesMasterIdLst>
-    <p:notesMasterId r:id="rId4"/>
+    <p:notesMasterId r:id="rId7"/>
   </p:notesMasterIdLst>
   <p:sldIdLst>
-    <p:sldId id="256" r:id="rId2"/>
-    <p:sldId id="257" r:id="rId3"/>
+    <p:sldId id="258" r:id="rId2"/>
+    <p:sldId id="259" r:id="rId3"/>
+    <p:sldId id="262" r:id="rId4"/>
+    <p:sldId id="260" r:id="rId5"/>
+    <p:sldId id="261" r:id="rId6"/>
   </p:sldIdLst>
   <p:sldSz cx="12192000" cy="6858000"/>
   <p:notesSz cx="6858000" cy="9144000"/>
@@ -108,6 +111,11 @@
       </a:defRPr>
     </a:lvl9pPr>
   </p:defaultTextStyle>
+  <p:extLst>
+    <p:ext uri="{EFAFB233-063F-42B5-8137-9DF3F51BA10A}">
+      <p15:sldGuideLst xmlns:p15="http://schemas.microsoft.com/office/powerpoint/2012/main"/>
+    </p:ext>
+  </p:extLst>
 </p:presentation>
 </file>
 
@@ -192,7 +200,7 @@
           </a:lstStyle>
           <a:p>
             <a:fld id="{F356C141-9813-2243-A41E-9A104DB6DD74}" type="datetimeFigureOut">
-              <a:t>2022/4/16</a:t>
+              <a:t>2022/6/5</a:t>
             </a:fld>
             <a:endParaRPr kumimoji="1" lang="ja-JP" altLang="en-US"/>
           </a:p>
@@ -536,95 +544,56 @@
           <a:p>
             <a:r>
               <a:rPr kumimoji="1" lang="ja-JP" altLang="en-US"/>
-              <a:t>この後で説明する</a:t>
+              <a:t>この</a:t>
             </a:r>
             <a:r>
               <a:rPr kumimoji="1" lang="en-US" altLang="ja-JP"/>
-              <a:t>Sandbox</a:t>
-            </a:r>
-            <a:r>
-              <a:rPr kumimoji="1" lang="ja-JP" altLang="en-US"/>
-              <a:t>を動かすためには、</a:t>
+              <a:t>Algorand</a:t>
+            </a:r>
+            <a:r>
+              <a:rPr kumimoji="1" lang="ja-JP" altLang="en-US"/>
+              <a:t>教育プログラム用の</a:t>
             </a:r>
             <a:r>
               <a:rPr kumimoji="1" lang="en-US" altLang="ja-JP"/>
-              <a:t>Docker Desktop</a:t>
-            </a:r>
-            <a:r>
-              <a:rPr kumimoji="1" lang="ja-JP" altLang="en-US"/>
-              <a:t>が必要です。</a:t>
+              <a:t>Github</a:t>
+            </a:r>
+            <a:r>
+              <a:rPr kumimoji="1" lang="ja-JP" altLang="en-US"/>
+              <a:t>リポジトリがあるので、</a:t>
+            </a:r>
+            <a:r>
+              <a:rPr kumimoji="1" lang="en-US" altLang="ja-JP"/>
+              <a:t>git clone</a:t>
+            </a:r>
+            <a:r>
+              <a:rPr kumimoji="1" lang="ja-JP" altLang="en-US"/>
+              <a:t>しましょう。</a:t>
             </a:r>
             <a:endParaRPr kumimoji="1" lang="en-US" altLang="ja-JP"/>
           </a:p>
           <a:p>
             <a:r>
               <a:rPr kumimoji="1" lang="ja-JP" altLang="en-US"/>
-              <a:t>ダウンロードサイトにアクセスしましょう。</a:t>
-            </a:r>
-            <a:endParaRPr kumimoji="1" lang="en-US" altLang="ja-JP"/>
-          </a:p>
-          <a:p>
-            <a:r>
-              <a:rPr kumimoji="1" lang="en-US" altLang="ja-JP"/>
-              <a:t>Interl chip</a:t>
-            </a:r>
-            <a:r>
-              <a:rPr kumimoji="1" lang="ja-JP" altLang="en-US"/>
-              <a:t>と</a:t>
-            </a:r>
-            <a:r>
-              <a:rPr kumimoji="1" lang="en-US" altLang="ja-JP"/>
-              <a:t>Apple silicon chip</a:t>
-            </a:r>
-            <a:r>
-              <a:rPr kumimoji="1" lang="ja-JP" altLang="en-US"/>
-              <a:t>のどちらか適切な方をダウンロードしましょう。</a:t>
-            </a:r>
-            <a:endParaRPr kumimoji="1" lang="en-US" altLang="ja-JP"/>
-          </a:p>
-          <a:p>
-            <a:r>
-              <a:rPr kumimoji="1" lang="ja-JP" altLang="en-US"/>
-              <a:t>ダウンロードした</a:t>
-            </a:r>
-            <a:r>
-              <a:rPr kumimoji="1" lang="en-US" altLang="ja-JP"/>
-              <a:t>Docker.dmg</a:t>
-            </a:r>
-            <a:r>
-              <a:rPr kumimoji="1" lang="ja-JP" altLang="en-US"/>
-              <a:t>をダブルクリックして、インストーラーを起動します。</a:t>
-            </a:r>
-            <a:endParaRPr kumimoji="1" lang="en-US" altLang="ja-JP"/>
-          </a:p>
-          <a:p>
-            <a:r>
-              <a:rPr kumimoji="1" lang="ja-JP" altLang="en-US"/>
-              <a:t>支持に従って、</a:t>
-            </a:r>
-            <a:r>
-              <a:rPr kumimoji="1" lang="en-US" altLang="ja-JP"/>
-              <a:t>Docker.app</a:t>
-            </a:r>
-            <a:r>
-              <a:rPr kumimoji="1" lang="ja-JP" altLang="en-US"/>
-              <a:t>を</a:t>
-            </a:r>
-            <a:r>
-              <a:rPr kumimoji="1" lang="en-US" altLang="ja-JP"/>
-              <a:t>Applications</a:t>
-            </a:r>
-            <a:r>
-              <a:rPr kumimoji="1" lang="ja-JP" altLang="en-US"/>
-              <a:t>フォルダにドラッグ・アンド・ドロップしましょう。</a:t>
-            </a:r>
-            <a:endParaRPr kumimoji="1" lang="en-US" altLang="ja-JP"/>
-          </a:p>
-          <a:p>
-            <a:r>
-              <a:rPr kumimoji="1" lang="ja-JP" altLang="en-US"/>
-              <a:t>これでインストールは完了です。</a:t>
-            </a:r>
+              <a:t>そして、</a:t>
+            </a:r>
+            <a:r>
+              <a:rPr lang="en-US" altLang="ja-JP" sz="1200"/>
+              <a:t>algorand_education_program</a:t>
+            </a:r>
+            <a:r>
+              <a:rPr lang="ja-JP" altLang="en-US" sz="1200"/>
+              <a:t>ディレクトリに</a:t>
+            </a:r>
+            <a:r>
+              <a:rPr lang="en-US" altLang="ja-JP" sz="1200"/>
+              <a:t>cd</a:t>
+            </a:r>
+            <a:r>
+              <a:rPr lang="ja-JP" altLang="en-US" sz="1200"/>
+              <a:t>します。</a:t>
+            </a:r>
+            <a:endParaRPr lang="en-US" altLang="ja-JP" sz="1200"/>
           </a:p>
         </p:txBody>
       </p:sp>
@@ -708,85 +677,87 @@
           <a:lstStyle/>
           <a:p>
             <a:r>
-              <a:rPr kumimoji="1" lang="ja-JP" altLang="en-US"/>
-              <a:t>ターミナルを立ち上げて、</a:t>
-            </a:r>
-            <a:r>
               <a:rPr kumimoji="1" lang="en-US" altLang="ja-JP"/>
-              <a:t>docker ps</a:t>
-            </a:r>
-            <a:r>
-              <a:rPr kumimoji="1" lang="ja-JP" altLang="en-US"/>
-              <a:t>を実行しましょう。</a:t>
+              <a:t>Docker</a:t>
+            </a:r>
+            <a:r>
+              <a:rPr kumimoji="1" lang="ja-JP" altLang="en-US"/>
+              <a:t>デーモンを動かすためには、</a:t>
+            </a:r>
+            <a:r>
+              <a:rPr kumimoji="1" lang="en-US" altLang="ja-JP"/>
+              <a:t>Linux</a:t>
+            </a:r>
+            <a:r>
+              <a:rPr kumimoji="1" lang="ja-JP" altLang="en-US"/>
+              <a:t>が必要です。</a:t>
             </a:r>
             <a:endParaRPr kumimoji="1" lang="en-US" altLang="ja-JP"/>
           </a:p>
           <a:p>
             <a:r>
-              <a:rPr kumimoji="1" lang="ja-JP" altLang="en-US"/>
-              <a:t>エラーメッセージが表示された場合は、</a:t>
-            </a:r>
-            <a:r>
-              <a:rPr kumimoji="1" lang="en-US" altLang="ja-JP"/>
-              <a:t>Docker daemon</a:t>
-            </a:r>
-            <a:r>
-              <a:rPr kumimoji="1" lang="ja-JP" altLang="en-US"/>
-              <a:t>が起動されていません。</a:t>
-            </a:r>
-            <a:endParaRPr kumimoji="1" lang="en-US" altLang="ja-JP"/>
-          </a:p>
-          <a:p>
-            <a:r>
-              <a:rPr kumimoji="1" lang="en-US" altLang="ja-JP"/>
-              <a:t>Applications</a:t>
-            </a:r>
-            <a:r>
-              <a:rPr kumimoji="1" lang="ja-JP" altLang="en-US"/>
-              <a:t>フォルダの</a:t>
-            </a:r>
-            <a:r>
-              <a:rPr kumimoji="1" lang="en-US" altLang="ja-JP"/>
-              <a:t>Docker.app</a:t>
-            </a:r>
-            <a:r>
-              <a:rPr kumimoji="1" lang="ja-JP" altLang="en-US"/>
-              <a:t>をダブルクリックで起動しましょう。</a:t>
-            </a:r>
-            <a:endParaRPr kumimoji="1" lang="en-US" altLang="ja-JP"/>
-          </a:p>
-          <a:p>
-            <a:r>
-              <a:rPr kumimoji="1" lang="en-US" altLang="ja-JP"/>
-              <a:t>Docker daemon</a:t>
-            </a:r>
-            <a:r>
-              <a:rPr kumimoji="1" lang="ja-JP" altLang="en-US"/>
-              <a:t>が起動したら、もう一度ターミナルで、</a:t>
-            </a:r>
-            <a:r>
-              <a:rPr kumimoji="1" lang="en-US" altLang="ja-JP"/>
-              <a:t>docker ps</a:t>
-            </a:r>
-            <a:r>
-              <a:rPr kumimoji="1" lang="ja-JP" altLang="en-US"/>
-              <a:t>を実行しましょう。</a:t>
-            </a:r>
-            <a:endParaRPr kumimoji="1" lang="en-US" altLang="ja-JP"/>
-          </a:p>
-          <a:p>
-            <a:r>
-              <a:rPr kumimoji="1" lang="ja-JP" altLang="en-US"/>
-              <a:t>エラーメッセージが表示されない場合、</a:t>
-            </a:r>
-            <a:r>
-              <a:rPr kumimoji="1" lang="en-US" altLang="ja-JP"/>
-              <a:t>Docker daemon</a:t>
-            </a:r>
-            <a:r>
-              <a:rPr kumimoji="1" lang="ja-JP" altLang="en-US"/>
-              <a:t>の起動はうまく行っています。</a:t>
-            </a:r>
+              <a:rPr kumimoji="1" lang="ja-JP" altLang="en-US" sz="1200"/>
+              <a:t>ここでは、</a:t>
+            </a:r>
+            <a:r>
+              <a:rPr kumimoji="1" lang="en-US" altLang="ja-JP" sz="1200"/>
+              <a:t>Homebrew</a:t>
+            </a:r>
+            <a:r>
+              <a:rPr kumimoji="1" lang="ja-JP" altLang="en-US" sz="1200"/>
+              <a:t>で</a:t>
+            </a:r>
+            <a:r>
+              <a:rPr kumimoji="1" lang="en-US" altLang="ja-JP" sz="1200"/>
+              <a:t>Multipass</a:t>
+            </a:r>
+            <a:r>
+              <a:rPr kumimoji="1" lang="ja-JP" altLang="en-US" sz="1200"/>
+              <a:t>をインストールします</a:t>
+            </a:r>
+            <a:r>
+              <a:rPr lang="ja-JP" altLang="en-US" sz="1200"/>
+              <a:t>。</a:t>
+            </a:r>
+            <a:endParaRPr lang="en-US" altLang="ja-JP" sz="1200"/>
+          </a:p>
+          <a:p>
+            <a:r>
+              <a:rPr lang="en-US" altLang="ja-JP" sz="1200"/>
+              <a:t>pwd</a:t>
+            </a:r>
+            <a:r>
+              <a:rPr lang="ja-JP" altLang="en-US" sz="1200"/>
+              <a:t>で、</a:t>
+            </a:r>
+            <a:r>
+              <a:rPr lang="en-US" altLang="ja-JP" sz="1200"/>
+              <a:t>algorand_education_program</a:t>
+            </a:r>
+            <a:r>
+              <a:rPr lang="ja-JP" altLang="en-US" sz="1200"/>
+              <a:t>ディレクトリにいることを確認します。</a:t>
+            </a:r>
+            <a:endParaRPr lang="en-US" altLang="ja-JP" sz="1200"/>
+          </a:p>
+          <a:p>
+            <a:r>
+              <a:rPr lang="en-US" altLang="ja-JP" sz="1200"/>
+              <a:t>create_ubuntu.sh</a:t>
+            </a:r>
+            <a:r>
+              <a:rPr lang="ja-JP" altLang="en-US" sz="1200"/>
+              <a:t>で</a:t>
+            </a:r>
+            <a:r>
+              <a:rPr lang="en-US" altLang="ja-JP" sz="1200"/>
+              <a:t>Ubuntu</a:t>
+            </a:r>
+            <a:r>
+              <a:rPr lang="ja-JP" altLang="en-US" sz="1200"/>
+              <a:t>の仮想マシンを作成します。</a:t>
+            </a:r>
+            <a:endParaRPr lang="en-US" altLang="ja-JP" sz="1200"/>
           </a:p>
         </p:txBody>
       </p:sp>
@@ -815,7 +786,534 @@
     </p:spTree>
     <p:extLst>
       <p:ext uri="{BB962C8B-B14F-4D97-AF65-F5344CB8AC3E}">
-        <p14:creationId xmlns:p14="http://schemas.microsoft.com/office/powerpoint/2010/main" val="364896421"/>
+        <p14:creationId xmlns:p14="http://schemas.microsoft.com/office/powerpoint/2010/main" val="1069297227"/>
+      </p:ext>
+    </p:extLst>
+  </p:cSld>
+  <p:clrMapOvr>
+    <a:masterClrMapping/>
+  </p:clrMapOvr>
+</p:notes>
+</file>
+
+<file path=ppt/notesSlides/notesSlide3.xml><?xml version="1.0" encoding="utf-8"?>
+<p:notes xmlns:a="http://schemas.openxmlformats.org/drawingml/2006/main" xmlns:r="http://schemas.openxmlformats.org/officeDocument/2006/relationships" xmlns:p="http://schemas.openxmlformats.org/presentationml/2006/main">
+  <p:cSld>
+    <p:spTree>
+      <p:nvGrpSpPr>
+        <p:cNvPr id="1" name=""/>
+        <p:cNvGrpSpPr/>
+        <p:nvPr/>
+      </p:nvGrpSpPr>
+      <p:grpSpPr>
+        <a:xfrm>
+          <a:off x="0" y="0"/>
+          <a:ext cx="0" cy="0"/>
+          <a:chOff x="0" y="0"/>
+          <a:chExt cx="0" cy="0"/>
+        </a:xfrm>
+      </p:grpSpPr>
+      <p:sp>
+        <p:nvSpPr>
+          <p:cNvPr id="2" name="スライド イメージ プレースホルダー 1"/>
+          <p:cNvSpPr>
+            <a:spLocks noGrp="1" noRot="1" noChangeAspect="1"/>
+          </p:cNvSpPr>
+          <p:nvPr>
+            <p:ph type="sldImg"/>
+          </p:nvPr>
+        </p:nvSpPr>
+        <p:spPr/>
+      </p:sp>
+      <p:sp>
+        <p:nvSpPr>
+          <p:cNvPr id="3" name="ノート プレースホルダー 2"/>
+          <p:cNvSpPr>
+            <a:spLocks noGrp="1"/>
+          </p:cNvSpPr>
+          <p:nvPr>
+            <p:ph type="body" idx="1"/>
+          </p:nvPr>
+        </p:nvSpPr>
+        <p:spPr/>
+        <p:txBody>
+          <a:bodyPr/>
+          <a:lstStyle/>
+          <a:p>
+            <a:r>
+              <a:rPr kumimoji="1" lang="en-US" altLang="ja-JP"/>
+              <a:t>create_ubuntu.sh</a:t>
+            </a:r>
+            <a:r>
+              <a:rPr kumimoji="1" lang="ja-JP" altLang="en-US"/>
+              <a:t>の中身を確認しましょう。</a:t>
+            </a:r>
+            <a:endParaRPr kumimoji="1" lang="en-US" altLang="ja-JP"/>
+          </a:p>
+          <a:p>
+            <a:r>
+              <a:rPr lang="en-US" altLang="ja-JP" sz="1200"/>
+              <a:t>multipass launch</a:t>
+            </a:r>
+            <a:r>
+              <a:rPr lang="ja-JP" altLang="en-US" sz="1200"/>
+              <a:t>で</a:t>
+            </a:r>
+            <a:r>
+              <a:rPr lang="en-US" altLang="ja-JP" sz="1200"/>
+              <a:t>Ubuntu</a:t>
+            </a:r>
+            <a:r>
+              <a:rPr lang="ja-JP" altLang="en-US" sz="1200"/>
+              <a:t>の仮想マシンを作成します。</a:t>
+            </a:r>
+            <a:endParaRPr lang="en-US" altLang="ja-JP" sz="1200"/>
+          </a:p>
+          <a:p>
+            <a:r>
+              <a:rPr lang="ja-JP" altLang="en-US" sz="1200"/>
+              <a:t>仮想マシンの名前は、</a:t>
+            </a:r>
+            <a:r>
+              <a:rPr lang="en-US" altLang="ja-JP" sz="1200"/>
+              <a:t>ubuntu</a:t>
+            </a:r>
+            <a:r>
+              <a:rPr lang="ja-JP" altLang="en-US" sz="1200"/>
+              <a:t>にします。</a:t>
+            </a:r>
+            <a:endParaRPr lang="en-US" altLang="ja-JP" sz="1200"/>
+          </a:p>
+          <a:p>
+            <a:r>
+              <a:rPr lang="ja-JP" altLang="en-US" sz="1200"/>
+              <a:t>ディスクは</a:t>
+            </a:r>
+            <a:r>
+              <a:rPr lang="en-US" altLang="ja-JP" sz="1200"/>
+              <a:t>50</a:t>
+            </a:r>
+            <a:r>
+              <a:rPr lang="ja-JP" altLang="en-US" sz="1200"/>
+              <a:t>ギガ、メモリは</a:t>
+            </a:r>
+            <a:r>
+              <a:rPr lang="en-US" altLang="ja-JP" sz="1200"/>
+              <a:t>8</a:t>
+            </a:r>
+            <a:r>
+              <a:rPr lang="ja-JP" altLang="en-US" sz="1200"/>
+              <a:t>ギガ取ってください。</a:t>
+            </a:r>
+            <a:endParaRPr lang="en-US" altLang="ja-JP" sz="1200"/>
+          </a:p>
+          <a:p>
+            <a:r>
+              <a:rPr lang="en-US" altLang="ja-JP" sz="1200"/>
+              <a:t>cloud-config.yaml</a:t>
+            </a:r>
+            <a:r>
+              <a:rPr lang="ja-JP" altLang="en-US" sz="1200"/>
+              <a:t>で仮想マシンを設定するときの追加の設定を指定します。</a:t>
+            </a:r>
+            <a:endParaRPr lang="en-US" altLang="ja-JP" sz="1200"/>
+          </a:p>
+        </p:txBody>
+      </p:sp>
+      <p:sp>
+        <p:nvSpPr>
+          <p:cNvPr id="4" name="スライド番号プレースホルダー 3"/>
+          <p:cNvSpPr>
+            <a:spLocks noGrp="1"/>
+          </p:cNvSpPr>
+          <p:nvPr>
+            <p:ph type="sldNum" sz="quarter" idx="5"/>
+          </p:nvPr>
+        </p:nvSpPr>
+        <p:spPr/>
+        <p:txBody>
+          <a:bodyPr/>
+          <a:lstStyle/>
+          <a:p>
+            <a:fld id="{973D58C5-2AAA-9546-8752-FF8AAD0671F2}" type="slidenum">
+              <a:t>3</a:t>
+            </a:fld>
+            <a:endParaRPr kumimoji="1" lang="ja-JP" altLang="en-US"/>
+          </a:p>
+        </p:txBody>
+      </p:sp>
+    </p:spTree>
+    <p:extLst>
+      <p:ext uri="{BB962C8B-B14F-4D97-AF65-F5344CB8AC3E}">
+        <p14:creationId xmlns:p14="http://schemas.microsoft.com/office/powerpoint/2010/main" val="1486150352"/>
+      </p:ext>
+    </p:extLst>
+  </p:cSld>
+  <p:clrMapOvr>
+    <a:masterClrMapping/>
+  </p:clrMapOvr>
+</p:notes>
+</file>
+
+<file path=ppt/notesSlides/notesSlide4.xml><?xml version="1.0" encoding="utf-8"?>
+<p:notes xmlns:a="http://schemas.openxmlformats.org/drawingml/2006/main" xmlns:r="http://schemas.openxmlformats.org/officeDocument/2006/relationships" xmlns:p="http://schemas.openxmlformats.org/presentationml/2006/main">
+  <p:cSld>
+    <p:spTree>
+      <p:nvGrpSpPr>
+        <p:cNvPr id="1" name=""/>
+        <p:cNvGrpSpPr/>
+        <p:nvPr/>
+      </p:nvGrpSpPr>
+      <p:grpSpPr>
+        <a:xfrm>
+          <a:off x="0" y="0"/>
+          <a:ext cx="0" cy="0"/>
+          <a:chOff x="0" y="0"/>
+          <a:chExt cx="0" cy="0"/>
+        </a:xfrm>
+      </p:grpSpPr>
+      <p:sp>
+        <p:nvSpPr>
+          <p:cNvPr id="2" name="スライド イメージ プレースホルダー 1"/>
+          <p:cNvSpPr>
+            <a:spLocks noGrp="1" noRot="1" noChangeAspect="1"/>
+          </p:cNvSpPr>
+          <p:nvPr>
+            <p:ph type="sldImg"/>
+          </p:nvPr>
+        </p:nvSpPr>
+        <p:spPr/>
+      </p:sp>
+      <p:sp>
+        <p:nvSpPr>
+          <p:cNvPr id="3" name="ノート プレースホルダー 2"/>
+          <p:cNvSpPr>
+            <a:spLocks noGrp="1"/>
+          </p:cNvSpPr>
+          <p:nvPr>
+            <p:ph type="body" idx="1"/>
+          </p:nvPr>
+        </p:nvSpPr>
+        <p:spPr/>
+        <p:txBody>
+          <a:bodyPr/>
+          <a:lstStyle/>
+          <a:p>
+            <a:r>
+              <a:rPr kumimoji="1" lang="en-US" altLang="ja-JP"/>
+              <a:t>cloud-config.yaml</a:t>
+            </a:r>
+            <a:r>
+              <a:rPr kumimoji="1" lang="ja-JP" altLang="en-US"/>
+              <a:t>の内容の重要な部分を確認しましょう</a:t>
+            </a:r>
+            <a:r>
+              <a:rPr lang="ja-JP" altLang="en-US" sz="1200"/>
+              <a:t>。</a:t>
+            </a:r>
+            <a:endParaRPr lang="en-US" altLang="ja-JP" sz="1200"/>
+          </a:p>
+          <a:p>
+            <a:r>
+              <a:rPr lang="en-US" altLang="ja-JP" sz="1200"/>
+              <a:t>Multipass</a:t>
+            </a:r>
+            <a:r>
+              <a:rPr lang="ja-JP" altLang="en-US" sz="1200"/>
+              <a:t>で作成される</a:t>
+            </a:r>
+            <a:r>
+              <a:rPr lang="en-US" altLang="ja-JP" sz="1200"/>
+              <a:t>Ubuntu</a:t>
+            </a:r>
+            <a:r>
+              <a:rPr lang="ja-JP" altLang="en-US" sz="1200"/>
+              <a:t>には、</a:t>
+            </a:r>
+            <a:r>
+              <a:rPr lang="en-US" altLang="ja-JP" sz="1200"/>
+              <a:t>docker</a:t>
+            </a:r>
+            <a:r>
+              <a:rPr lang="ja-JP" altLang="en-US" sz="1200"/>
+              <a:t>クライアントがインストールされていないので、</a:t>
+            </a:r>
+            <a:r>
+              <a:rPr lang="en-US" altLang="ja-JP" sz="1200"/>
+              <a:t>docker.io</a:t>
+            </a:r>
+            <a:r>
+              <a:rPr lang="ja-JP" altLang="en-US" sz="1200"/>
+              <a:t>と</a:t>
+            </a:r>
+            <a:r>
+              <a:rPr lang="en-US" altLang="ja-JP" sz="1200"/>
+              <a:t>docker-compose</a:t>
+            </a:r>
+            <a:r>
+              <a:rPr lang="ja-JP" altLang="en-US" sz="1200"/>
+              <a:t>をインストールします。</a:t>
+            </a:r>
+            <a:endParaRPr lang="en-US" altLang="ja-JP" sz="1200"/>
+          </a:p>
+          <a:p>
+            <a:r>
+              <a:rPr lang="ja-JP" altLang="en-US" sz="1200"/>
+              <a:t>デフォルトユーザの</a:t>
+            </a:r>
+            <a:r>
+              <a:rPr lang="en-US" altLang="ja-JP" sz="1200"/>
+              <a:t>ubuntu</a:t>
+            </a:r>
+            <a:r>
+              <a:rPr lang="ja-JP" altLang="en-US" sz="1200"/>
+              <a:t>を</a:t>
+            </a:r>
+            <a:r>
+              <a:rPr lang="en-US" altLang="ja-JP" sz="1200"/>
+              <a:t>docker</a:t>
+            </a:r>
+            <a:r>
+              <a:rPr lang="ja-JP" altLang="en-US" sz="1200"/>
+              <a:t>グループに入れます。</a:t>
+            </a:r>
+            <a:endParaRPr lang="en-US" altLang="ja-JP" sz="1200"/>
+          </a:p>
+          <a:p>
+            <a:r>
+              <a:rPr lang="ja-JP" altLang="en-US" sz="1200"/>
+              <a:t>これにより、</a:t>
+            </a:r>
+            <a:r>
+              <a:rPr lang="en-US" altLang="ja-JP" sz="1200"/>
+              <a:t>docker</a:t>
+            </a:r>
+            <a:r>
+              <a:rPr lang="ja-JP" altLang="en-US" sz="1200"/>
+              <a:t>クライアントを</a:t>
+            </a:r>
+            <a:r>
+              <a:rPr lang="en-US" altLang="ja-JP" sz="1200"/>
+              <a:t>sudo</a:t>
+            </a:r>
+            <a:r>
+              <a:rPr lang="ja-JP" altLang="en-US" sz="1200"/>
+              <a:t>なしで実行できるようになります。</a:t>
+            </a:r>
+            <a:endParaRPr lang="en-US" altLang="ja-JP" sz="1200"/>
+          </a:p>
+        </p:txBody>
+      </p:sp>
+      <p:sp>
+        <p:nvSpPr>
+          <p:cNvPr id="4" name="スライド番号プレースホルダー 3"/>
+          <p:cNvSpPr>
+            <a:spLocks noGrp="1"/>
+          </p:cNvSpPr>
+          <p:nvPr>
+            <p:ph type="sldNum" sz="quarter" idx="5"/>
+          </p:nvPr>
+        </p:nvSpPr>
+        <p:spPr/>
+        <p:txBody>
+          <a:bodyPr/>
+          <a:lstStyle/>
+          <a:p>
+            <a:fld id="{973D58C5-2AAA-9546-8752-FF8AAD0671F2}" type="slidenum">
+              <a:t>4</a:t>
+            </a:fld>
+            <a:endParaRPr kumimoji="1" lang="ja-JP" altLang="en-US"/>
+          </a:p>
+        </p:txBody>
+      </p:sp>
+    </p:spTree>
+    <p:extLst>
+      <p:ext uri="{BB962C8B-B14F-4D97-AF65-F5344CB8AC3E}">
+        <p14:creationId xmlns:p14="http://schemas.microsoft.com/office/powerpoint/2010/main" val="3595455093"/>
+      </p:ext>
+    </p:extLst>
+  </p:cSld>
+  <p:clrMapOvr>
+    <a:masterClrMapping/>
+  </p:clrMapOvr>
+</p:notes>
+</file>
+
+<file path=ppt/notesSlides/notesSlide5.xml><?xml version="1.0" encoding="utf-8"?>
+<p:notes xmlns:a="http://schemas.openxmlformats.org/drawingml/2006/main" xmlns:r="http://schemas.openxmlformats.org/officeDocument/2006/relationships" xmlns:p="http://schemas.openxmlformats.org/presentationml/2006/main">
+  <p:cSld>
+    <p:spTree>
+      <p:nvGrpSpPr>
+        <p:cNvPr id="1" name=""/>
+        <p:cNvGrpSpPr/>
+        <p:nvPr/>
+      </p:nvGrpSpPr>
+      <p:grpSpPr>
+        <a:xfrm>
+          <a:off x="0" y="0"/>
+          <a:ext cx="0" cy="0"/>
+          <a:chOff x="0" y="0"/>
+          <a:chExt cx="0" cy="0"/>
+        </a:xfrm>
+      </p:grpSpPr>
+      <p:sp>
+        <p:nvSpPr>
+          <p:cNvPr id="2" name="スライド イメージ プレースホルダー 1"/>
+          <p:cNvSpPr>
+            <a:spLocks noGrp="1" noRot="1" noChangeAspect="1"/>
+          </p:cNvSpPr>
+          <p:nvPr>
+            <p:ph type="sldImg"/>
+          </p:nvPr>
+        </p:nvSpPr>
+        <p:spPr/>
+      </p:sp>
+      <p:sp>
+        <p:nvSpPr>
+          <p:cNvPr id="3" name="ノート プレースホルダー 2"/>
+          <p:cNvSpPr>
+            <a:spLocks noGrp="1"/>
+          </p:cNvSpPr>
+          <p:nvPr>
+            <p:ph type="body" idx="1"/>
+          </p:nvPr>
+        </p:nvSpPr>
+        <p:spPr/>
+        <p:txBody>
+          <a:bodyPr/>
+          <a:lstStyle/>
+          <a:p>
+            <a:r>
+              <a:rPr kumimoji="1" lang="en-US" altLang="ja-JP"/>
+              <a:t>cloud-config.yaml</a:t>
+            </a:r>
+            <a:r>
+              <a:rPr kumimoji="1" lang="ja-JP" altLang="en-US"/>
+              <a:t>の内容の重要な部分を確認しましょう</a:t>
+            </a:r>
+            <a:r>
+              <a:rPr lang="ja-JP" altLang="en-US" sz="1200"/>
+              <a:t>。</a:t>
+            </a:r>
+            <a:endParaRPr lang="en-US" altLang="ja-JP" sz="1200"/>
+          </a:p>
+          <a:p>
+            <a:r>
+              <a:rPr lang="en-US" altLang="ja-JP" sz="1200"/>
+              <a:t>Multipass</a:t>
+            </a:r>
+            <a:r>
+              <a:rPr lang="ja-JP" altLang="en-US" sz="1200"/>
+              <a:t>で作成される</a:t>
+            </a:r>
+            <a:r>
+              <a:rPr lang="en-US" altLang="ja-JP" sz="1200"/>
+              <a:t>Ubuntu</a:t>
+            </a:r>
+            <a:r>
+              <a:rPr lang="ja-JP" altLang="en-US" sz="1200"/>
+              <a:t>には、</a:t>
+            </a:r>
+            <a:r>
+              <a:rPr lang="en-US" altLang="ja-JP" sz="1200"/>
+              <a:t>docker</a:t>
+            </a:r>
+            <a:r>
+              <a:rPr lang="ja-JP" altLang="en-US" sz="1200"/>
+              <a:t>クライアントがインストールされていないので、</a:t>
+            </a:r>
+            <a:r>
+              <a:rPr lang="en-US" altLang="ja-JP" sz="1200"/>
+              <a:t>docker.io</a:t>
+            </a:r>
+            <a:r>
+              <a:rPr lang="ja-JP" altLang="en-US" sz="1200"/>
+              <a:t>と</a:t>
+            </a:r>
+            <a:r>
+              <a:rPr lang="en-US" altLang="ja-JP" sz="1200"/>
+              <a:t>docker-compose</a:t>
+            </a:r>
+            <a:r>
+              <a:rPr lang="ja-JP" altLang="en-US" sz="1200"/>
+              <a:t>をインストールします。</a:t>
+            </a:r>
+            <a:endParaRPr lang="en-US" altLang="ja-JP" sz="1200"/>
+          </a:p>
+          <a:p>
+            <a:r>
+              <a:rPr lang="ja-JP" altLang="en-US" sz="1200"/>
+              <a:t>デフォルトユーザの</a:t>
+            </a:r>
+            <a:r>
+              <a:rPr lang="en-US" altLang="ja-JP" sz="1200"/>
+              <a:t>ubuntu</a:t>
+            </a:r>
+            <a:r>
+              <a:rPr lang="ja-JP" altLang="en-US" sz="1200"/>
+              <a:t>を</a:t>
+            </a:r>
+            <a:r>
+              <a:rPr lang="en-US" altLang="ja-JP" sz="1200"/>
+              <a:t>docker</a:t>
+            </a:r>
+            <a:r>
+              <a:rPr lang="ja-JP" altLang="en-US" sz="1200"/>
+              <a:t>グループに入れます。</a:t>
+            </a:r>
+            <a:endParaRPr lang="en-US" altLang="ja-JP" sz="1200"/>
+          </a:p>
+          <a:p>
+            <a:r>
+              <a:rPr lang="ja-JP" altLang="en-US" sz="1200"/>
+              <a:t>これにより、</a:t>
+            </a:r>
+            <a:r>
+              <a:rPr lang="en-US" altLang="ja-JP" sz="1200"/>
+              <a:t>docker</a:t>
+            </a:r>
+            <a:r>
+              <a:rPr lang="ja-JP" altLang="en-US" sz="1200"/>
+              <a:t>クライアントを</a:t>
+            </a:r>
+            <a:r>
+              <a:rPr lang="en-US" altLang="ja-JP" sz="1200"/>
+              <a:t>sudo</a:t>
+            </a:r>
+            <a:r>
+              <a:rPr lang="ja-JP" altLang="en-US" sz="1200"/>
+              <a:t>なしで実行できるようになります。</a:t>
+            </a:r>
+            <a:endParaRPr lang="en-US" altLang="ja-JP" sz="1200"/>
+          </a:p>
+        </p:txBody>
+      </p:sp>
+      <p:sp>
+        <p:nvSpPr>
+          <p:cNvPr id="4" name="スライド番号プレースホルダー 3"/>
+          <p:cNvSpPr>
+            <a:spLocks noGrp="1"/>
+          </p:cNvSpPr>
+          <p:nvPr>
+            <p:ph type="sldNum" sz="quarter" idx="5"/>
+          </p:nvPr>
+        </p:nvSpPr>
+        <p:spPr/>
+        <p:txBody>
+          <a:bodyPr/>
+          <a:lstStyle/>
+          <a:p>
+            <a:fld id="{973D58C5-2AAA-9546-8752-FF8AAD0671F2}" type="slidenum">
+              <a:t>5</a:t>
+            </a:fld>
+            <a:endParaRPr kumimoji="1" lang="ja-JP" altLang="en-US"/>
+          </a:p>
+        </p:txBody>
+      </p:sp>
+    </p:spTree>
+    <p:extLst>
+      <p:ext uri="{BB962C8B-B14F-4D97-AF65-F5344CB8AC3E}">
+        <p14:creationId xmlns:p14="http://schemas.microsoft.com/office/powerpoint/2010/main" val="3687469845"/>
       </p:ext>
     </p:extLst>
   </p:cSld>
@@ -971,7 +1469,7 @@
           <a:lstStyle/>
           <a:p>
             <a:fld id="{35A3F9D9-9E9B-AC43-A70E-8712BBF1C569}" type="datetimeFigureOut">
-              <a:t>2022/4/16</a:t>
+              <a:t>2022/6/5</a:t>
             </a:fld>
             <a:endParaRPr kumimoji="1" lang="ja-JP" altLang="en-US"/>
           </a:p>
@@ -1199,7 +1697,7 @@
           <a:lstStyle/>
           <a:p>
             <a:fld id="{35A3F9D9-9E9B-AC43-A70E-8712BBF1C569}" type="datetimeFigureOut">
-              <a:t>2022/4/16</a:t>
+              <a:t>2022/6/5</a:t>
             </a:fld>
             <a:endParaRPr kumimoji="1" lang="ja-JP" altLang="en-US"/>
           </a:p>
@@ -1437,7 +1935,7 @@
           <a:lstStyle/>
           <a:p>
             <a:fld id="{35A3F9D9-9E9B-AC43-A70E-8712BBF1C569}" type="datetimeFigureOut">
-              <a:t>2022/4/16</a:t>
+              <a:t>2022/6/5</a:t>
             </a:fld>
             <a:endParaRPr kumimoji="1" lang="ja-JP" altLang="en-US"/>
           </a:p>
@@ -1665,7 +2163,7 @@
           <a:lstStyle/>
           <a:p>
             <a:fld id="{35A3F9D9-9E9B-AC43-A70E-8712BBF1C569}" type="datetimeFigureOut">
-              <a:t>2022/4/16</a:t>
+              <a:t>2022/6/5</a:t>
             </a:fld>
             <a:endParaRPr kumimoji="1" lang="ja-JP" altLang="en-US"/>
           </a:p>
@@ -1938,7 +2436,7 @@
           <a:lstStyle/>
           <a:p>
             <a:fld id="{35A3F9D9-9E9B-AC43-A70E-8712BBF1C569}" type="datetimeFigureOut">
-              <a:t>2022/4/16</a:t>
+              <a:t>2022/6/5</a:t>
             </a:fld>
             <a:endParaRPr kumimoji="1" lang="ja-JP" altLang="en-US"/>
           </a:p>
@@ -2265,7 +2763,7 @@
           <a:lstStyle/>
           <a:p>
             <a:fld id="{35A3F9D9-9E9B-AC43-A70E-8712BBF1C569}" type="datetimeFigureOut">
-              <a:t>2022/4/16</a:t>
+              <a:t>2022/6/5</a:t>
             </a:fld>
             <a:endParaRPr kumimoji="1" lang="ja-JP" altLang="en-US"/>
           </a:p>
@@ -2739,7 +3237,7 @@
           <a:lstStyle/>
           <a:p>
             <a:fld id="{35A3F9D9-9E9B-AC43-A70E-8712BBF1C569}" type="datetimeFigureOut">
-              <a:t>2022/4/16</a:t>
+              <a:t>2022/6/5</a:t>
             </a:fld>
             <a:endParaRPr kumimoji="1" lang="ja-JP" altLang="en-US"/>
           </a:p>
@@ -2878,7 +3376,7 @@
           <a:lstStyle/>
           <a:p>
             <a:fld id="{35A3F9D9-9E9B-AC43-A70E-8712BBF1C569}" type="datetimeFigureOut">
-              <a:t>2022/4/16</a:t>
+              <a:t>2022/6/5</a:t>
             </a:fld>
             <a:endParaRPr kumimoji="1" lang="ja-JP" altLang="en-US"/>
           </a:p>
@@ -2989,7 +3487,7 @@
           <a:lstStyle/>
           <a:p>
             <a:fld id="{35A3F9D9-9E9B-AC43-A70E-8712BBF1C569}" type="datetimeFigureOut">
-              <a:t>2022/4/16</a:t>
+              <a:t>2022/6/5</a:t>
             </a:fld>
             <a:endParaRPr kumimoji="1" lang="ja-JP" altLang="en-US"/>
           </a:p>
@@ -3330,7 +3828,7 @@
           <a:lstStyle/>
           <a:p>
             <a:fld id="{35A3F9D9-9E9B-AC43-A70E-8712BBF1C569}" type="datetimeFigureOut">
-              <a:t>2022/4/16</a:t>
+              <a:t>2022/6/5</a:t>
             </a:fld>
             <a:endParaRPr kumimoji="1" lang="ja-JP" altLang="en-US"/>
           </a:p>
@@ -3616,7 +4114,7 @@
           <a:lstStyle/>
           <a:p>
             <a:fld id="{35A3F9D9-9E9B-AC43-A70E-8712BBF1C569}" type="datetimeFigureOut">
-              <a:t>2022/4/16</a:t>
+              <a:t>2022/6/5</a:t>
             </a:fld>
             <a:endParaRPr kumimoji="1" lang="ja-JP" altLang="en-US"/>
           </a:p>
@@ -3887,7 +4385,7 @@
           </a:lstStyle>
           <a:p>
             <a:fld id="{35A3F9D9-9E9B-AC43-A70E-8712BBF1C569}" type="datetimeFigureOut">
-              <a:t>2022/4/16</a:t>
+              <a:t>2022/6/5</a:t>
             </a:fld>
             <a:endParaRPr kumimoji="1" lang="ja-JP" altLang="en-US"/>
           </a:p>
@@ -4334,19 +4832,25 @@
             </a:pPr>
             <a:r>
               <a:rPr lang="en-US" altLang="ja-JP"/>
-              <a:t>Docker Desktop on Mac</a:t>
+              <a:t>Algorand</a:t>
             </a:r>
             <a:r>
               <a:rPr lang="ja-JP" altLang="en-US"/>
-              <a:t>のダウンロードサイトにアクセス</a:t>
-            </a:r>
-            <a:r>
-              <a:rPr lang="en-US" altLang="ja-JP">
-                <a:hlinkClick r:id="rId3"/>
-              </a:rPr>
-              <a:t>https://docs.docker.com/desktop/mac/install/</a:t>
-            </a:r>
-            <a:endParaRPr lang="en-US" altLang="ja-JP"/>
+              <a:t>教育プログラムのリポジトリを</a:t>
+            </a:r>
+            <a:r>
+              <a:rPr lang="en-US" altLang="ja-JP"/>
+              <a:t>git clone</a:t>
+            </a:r>
+          </a:p>
+          <a:p>
+            <a:pPr marL="0" indent="0">
+              <a:buNone/>
+            </a:pPr>
+            <a:r>
+              <a:rPr lang="en-US" altLang="ja-JP" sz="2400"/>
+              <a:t>$ git clone https://github.com/higayasuo/algorand_education_program</a:t>
+            </a:r>
           </a:p>
           <a:p>
             <a:pPr marL="0" indent="0">
@@ -4359,64 +4863,10 @@
               <a:buNone/>
             </a:pPr>
             <a:r>
-              <a:rPr lang="ja-JP" altLang="en-US"/>
-              <a:t>ダウンロードした</a:t>
-            </a:r>
-            <a:r>
-              <a:rPr lang="en-US" altLang="ja-JP"/>
-              <a:t>Docker.dmg</a:t>
-            </a:r>
-            <a:r>
-              <a:rPr lang="ja-JP" altLang="en-US"/>
-              <a:t>をダブルクリック</a:t>
-            </a:r>
-            <a:endParaRPr lang="en-US" altLang="ja-JP"/>
-          </a:p>
-          <a:p>
-            <a:pPr marL="0" indent="0">
-              <a:buNone/>
-            </a:pPr>
-            <a:endParaRPr lang="en-US" altLang="ja-JP"/>
-          </a:p>
-          <a:p>
-            <a:pPr marL="0" indent="0">
-              <a:buNone/>
-            </a:pPr>
-            <a:r>
-              <a:rPr lang="en-US" altLang="ja-JP"/>
-              <a:t>Docker.app</a:t>
-            </a:r>
-            <a:r>
-              <a:rPr lang="ja-JP" altLang="en-US"/>
-              <a:t>を</a:t>
-            </a:r>
-            <a:r>
-              <a:rPr lang="en-US" altLang="ja-JP"/>
-              <a:t>Applications</a:t>
-            </a:r>
-            <a:r>
-              <a:rPr lang="ja-JP" altLang="en-US"/>
-              <a:t>フォルダにドラッグアンドドロップ</a:t>
-            </a:r>
-            <a:endParaRPr lang="en-US" altLang="ja-JP"/>
-          </a:p>
-          <a:p>
-            <a:endParaRPr lang="en-US" altLang="ja-JP"/>
-          </a:p>
-          <a:p>
-            <a:endParaRPr lang="en-US" altLang="ja-JP"/>
-          </a:p>
-          <a:p>
-            <a:endParaRPr lang="en-US" altLang="ja-JP"/>
-          </a:p>
-          <a:p>
-            <a:endParaRPr lang="en-US" altLang="ja-JP"/>
-          </a:p>
-          <a:p>
-            <a:endParaRPr lang="en-US" altLang="ja-JP"/>
-          </a:p>
-          <a:p>
-            <a:endParaRPr lang="en-US" altLang="ja-JP"/>
+              <a:rPr lang="en" altLang="ja-JP" sz="2400"/>
+              <a:t>$ cd algorand_education_program</a:t>
+            </a:r>
+            <a:endParaRPr lang="en-US" altLang="ja-JP" sz="2400"/>
           </a:p>
           <a:p>
             <a:pPr lvl="1"/>
@@ -4428,40 +4878,10 @@
           </a:p>
         </p:txBody>
       </p:sp>
-      <p:pic>
-        <p:nvPicPr>
-          <p:cNvPr id="10" name="図 9">
-            <a:extLst>
-              <a:ext uri="{FF2B5EF4-FFF2-40B4-BE49-F238E27FC236}">
-                <a16:creationId xmlns:a16="http://schemas.microsoft.com/office/drawing/2014/main" id="{4CBF7E69-138C-CA47-8F7A-3E9A4C3821D1}"/>
-              </a:ext>
-            </a:extLst>
-          </p:cNvPr>
-          <p:cNvPicPr>
-            <a:picLocks noChangeAspect="1"/>
-          </p:cNvPicPr>
-          <p:nvPr/>
-        </p:nvPicPr>
-        <p:blipFill>
-          <a:blip r:embed="rId4"/>
-          <a:stretch>
-            <a:fillRect/>
-          </a:stretch>
-        </p:blipFill>
-        <p:spPr>
-          <a:xfrm>
-            <a:off x="1947201" y="3238383"/>
-            <a:ext cx="4584700" cy="1905000"/>
-          </a:xfrm>
-          <a:prstGeom prst="rect">
-            <a:avLst/>
-          </a:prstGeom>
-        </p:spPr>
-      </p:pic>
     </p:spTree>
     <p:extLst>
       <p:ext uri="{BB962C8B-B14F-4D97-AF65-F5344CB8AC3E}">
-        <p14:creationId xmlns:p14="http://schemas.microsoft.com/office/powerpoint/2010/main" val="2658293105"/>
+        <p14:creationId xmlns:p14="http://schemas.microsoft.com/office/powerpoint/2010/main" val="3255704728"/>
       </p:ext>
     </p:extLst>
   </p:cSld>
@@ -4490,10 +4910,10 @@
       </p:grpSpPr>
       <p:sp>
         <p:nvSpPr>
-          <p:cNvPr id="3" name="コンテンツ プレースホルダー 2">
-            <a:extLst>
-              <a:ext uri="{FF2B5EF4-FFF2-40B4-BE49-F238E27FC236}">
-                <a16:creationId xmlns:a16="http://schemas.microsoft.com/office/drawing/2014/main" id="{4B1F5034-D431-5349-AE46-DCDAF10EDEF1}"/>
+          <p:cNvPr id="5" name="コンテンツ プレースホルダー 4">
+            <a:extLst>
+              <a:ext uri="{FF2B5EF4-FFF2-40B4-BE49-F238E27FC236}">
+                <a16:creationId xmlns:a16="http://schemas.microsoft.com/office/drawing/2014/main" id="{F6163872-A705-0D48-BD98-189539800897}"/>
               </a:ext>
             </a:extLst>
           </p:cNvPr>
@@ -4506,8 +4926,8 @@
         </p:nvSpPr>
         <p:spPr>
           <a:xfrm>
-            <a:off x="838200" y="269823"/>
-            <a:ext cx="10515600" cy="5907140"/>
+            <a:off x="838200" y="299803"/>
+            <a:ext cx="10515600" cy="5877160"/>
           </a:xfrm>
         </p:spPr>
         <p:txBody>
@@ -4518,148 +4938,460 @@
               <a:buNone/>
             </a:pPr>
             <a:r>
-              <a:rPr lang="en" altLang="ja-JP"/>
-              <a:t>docker ps</a:t>
+              <a:rPr lang="en-US" altLang="ja-JP"/>
+              <a:t>Multipass</a:t>
             </a:r>
             <a:r>
               <a:rPr lang="ja-JP" altLang="en-US"/>
-              <a:t>で確認</a:t>
-            </a:r>
-            <a:endParaRPr lang="en" altLang="ja-JP"/>
+              <a:t>のインストール</a:t>
+            </a:r>
+            <a:endParaRPr lang="en-US" altLang="ja-JP"/>
           </a:p>
           <a:p>
             <a:pPr marL="0" indent="0">
               <a:buNone/>
             </a:pPr>
             <a:r>
-              <a:rPr lang="en" altLang="ja-JP"/>
-              <a:t>~ $ docker ps</a:t>
+              <a:rPr lang="en-US" altLang="ja-JP" sz="2400"/>
+              <a:t>$ brew install multipass</a:t>
             </a:r>
           </a:p>
           <a:p>
             <a:pPr marL="0" indent="0">
               <a:buNone/>
             </a:pPr>
-            <a:r>
-              <a:rPr lang="en" altLang="ja-JP"/>
-              <a:t>Cannot connect to the Docker daemon at unix:///var/run/docker.sock. Is the docker daemon running?</a:t>
-            </a:r>
+            <a:endParaRPr lang="en-US" altLang="ja-JP"/>
           </a:p>
           <a:p>
             <a:pPr marL="0" indent="0">
               <a:buNone/>
             </a:pPr>
-            <a:endParaRPr lang="en" altLang="ja-JP"/>
+            <a:r>
+              <a:rPr lang="en" altLang="ja-JP" sz="2400"/>
+              <a:t>$ pwd</a:t>
+            </a:r>
           </a:p>
           <a:p>
             <a:pPr marL="0" indent="0">
               <a:buNone/>
             </a:pPr>
             <a:r>
+              <a:rPr lang="en" altLang="ja-JP" sz="2400"/>
+              <a:t>/Users/higayasuo/dev/algorand/algorand_education_program</a:t>
+            </a:r>
+          </a:p>
+          <a:p>
+            <a:pPr marL="0" indent="0">
+              <a:buNone/>
+            </a:pPr>
+            <a:endParaRPr lang="en" altLang="ja-JP" sz="2400"/>
+          </a:p>
+          <a:p>
+            <a:pPr marL="0" indent="0">
+              <a:buNone/>
+            </a:pPr>
+            <a:r>
+              <a:rPr lang="en-US" altLang="ja-JP"/>
+              <a:t>Ubuntu</a:t>
+            </a:r>
+            <a:r>
               <a:rPr lang="ja-JP" altLang="en-US"/>
-              <a:t>エラーが出た場合は</a:t>
-            </a:r>
-            <a:r>
-              <a:rPr lang="en-US" altLang="ja-JP"/>
-              <a:t>Docker.app</a:t>
-            </a:r>
-            <a:r>
-              <a:rPr lang="ja-JP" altLang="en-US"/>
-              <a:t>を起動</a:t>
-            </a:r>
-            <a:endParaRPr lang="en" altLang="ja-JP"/>
+              <a:t>の仮想マシン作成</a:t>
+            </a:r>
+            <a:endParaRPr lang="en-US" altLang="ja-JP"/>
           </a:p>
           <a:p>
             <a:pPr marL="0" indent="0">
               <a:buNone/>
             </a:pPr>
-            <a:endParaRPr kumimoji="1" lang="en" altLang="ja-JP"/>
+            <a:r>
+              <a:rPr lang="en-US" altLang="ja-JP" sz="2400"/>
+              <a:t>$ </a:t>
+            </a:r>
+            <a:r>
+              <a:rPr lang="en" altLang="ja-JP" sz="2400"/>
+              <a:t>./create_ubuntu.sh </a:t>
+            </a:r>
+            <a:endParaRPr lang="en-US" altLang="ja-JP" sz="2400"/>
           </a:p>
           <a:p>
             <a:pPr marL="0" indent="0">
               <a:buNone/>
             </a:pPr>
-            <a:endParaRPr lang="en" altLang="ja-JP"/>
+            <a:endParaRPr lang="en-US" altLang="ja-JP" sz="2400"/>
           </a:p>
           <a:p>
             <a:pPr marL="0" indent="0">
               <a:buNone/>
             </a:pPr>
-            <a:endParaRPr kumimoji="1" lang="en" altLang="ja-JP"/>
-          </a:p>
-          <a:p>
-            <a:pPr marL="0" indent="0">
-              <a:buNone/>
-            </a:pPr>
-            <a:r>
-              <a:rPr lang="ja-JP" altLang="en-US"/>
-              <a:t>再度、</a:t>
-            </a:r>
-            <a:r>
-              <a:rPr lang="en-US" altLang="ja-JP"/>
-              <a:t>docker ps</a:t>
-            </a:r>
-            <a:r>
-              <a:rPr lang="ja-JP" altLang="en-US"/>
-              <a:t>で確認</a:t>
-            </a:r>
-            <a:endParaRPr lang="en" altLang="ja-JP"/>
-          </a:p>
-          <a:p>
-            <a:pPr marL="0" indent="0">
-              <a:buNone/>
-            </a:pPr>
-            <a:r>
-              <a:rPr lang="en" altLang="ja-JP"/>
-              <a:t>~ $ docker ps</a:t>
-            </a:r>
-          </a:p>
-          <a:p>
-            <a:pPr marL="0" indent="0">
-              <a:buNone/>
-            </a:pPr>
-            <a:r>
-              <a:rPr lang="en" altLang="ja-JP" sz="2000"/>
-              <a:t>CONTAINER ID   IMAGE     COMMAND   CREATED   STATUS    PORTS     NAMES</a:t>
-            </a:r>
-            <a:endParaRPr kumimoji="1" lang="ja-JP" altLang="en-US" sz="2000"/>
-          </a:p>
-        </p:txBody>
-      </p:sp>
-      <p:pic>
-        <p:nvPicPr>
-          <p:cNvPr id="5" name="図 4" descr="グラフィカル ユーザー インターフェイス, テキスト, アプリケーション&#10;&#10;自動的に生成された説明">
-            <a:extLst>
-              <a:ext uri="{FF2B5EF4-FFF2-40B4-BE49-F238E27FC236}">
-                <a16:creationId xmlns:a16="http://schemas.microsoft.com/office/drawing/2014/main" id="{BE6B7510-DFAB-7946-9EF4-36F2F11CC86E}"/>
-              </a:ext>
-            </a:extLst>
-          </p:cNvPr>
-          <p:cNvPicPr>
-            <a:picLocks noChangeAspect="1"/>
-          </p:cNvPicPr>
-          <p:nvPr/>
-        </p:nvPicPr>
-        <p:blipFill>
-          <a:blip r:embed="rId3"/>
-          <a:stretch>
-            <a:fillRect/>
-          </a:stretch>
-        </p:blipFill>
-        <p:spPr>
-          <a:xfrm>
-            <a:off x="838200" y="3223393"/>
-            <a:ext cx="6451600" cy="1066800"/>
-          </a:xfrm>
-          <a:prstGeom prst="rect">
-            <a:avLst/>
-          </a:prstGeom>
-        </p:spPr>
-      </p:pic>
+            <a:endParaRPr lang="en-US" altLang="ja-JP" sz="2400"/>
+          </a:p>
+        </p:txBody>
+      </p:sp>
     </p:spTree>
     <p:extLst>
       <p:ext uri="{BB962C8B-B14F-4D97-AF65-F5344CB8AC3E}">
-        <p14:creationId xmlns:p14="http://schemas.microsoft.com/office/powerpoint/2010/main" val="3416804324"/>
+        <p14:creationId xmlns:p14="http://schemas.microsoft.com/office/powerpoint/2010/main" val="2587884622"/>
+      </p:ext>
+    </p:extLst>
+  </p:cSld>
+  <p:clrMapOvr>
+    <a:masterClrMapping/>
+  </p:clrMapOvr>
+</p:sld>
+</file>
+
+<file path=ppt/slides/slide3.xml><?xml version="1.0" encoding="utf-8"?>
+<p:sld xmlns:a="http://schemas.openxmlformats.org/drawingml/2006/main" xmlns:r="http://schemas.openxmlformats.org/officeDocument/2006/relationships" xmlns:p="http://schemas.openxmlformats.org/presentationml/2006/main">
+  <p:cSld>
+    <p:spTree>
+      <p:nvGrpSpPr>
+        <p:cNvPr id="1" name=""/>
+        <p:cNvGrpSpPr/>
+        <p:nvPr/>
+      </p:nvGrpSpPr>
+      <p:grpSpPr>
+        <a:xfrm>
+          <a:off x="0" y="0"/>
+          <a:ext cx="0" cy="0"/>
+          <a:chOff x="0" y="0"/>
+          <a:chExt cx="0" cy="0"/>
+        </a:xfrm>
+      </p:grpSpPr>
+      <p:sp>
+        <p:nvSpPr>
+          <p:cNvPr id="5" name="コンテンツ プレースホルダー 4">
+            <a:extLst>
+              <a:ext uri="{FF2B5EF4-FFF2-40B4-BE49-F238E27FC236}">
+                <a16:creationId xmlns:a16="http://schemas.microsoft.com/office/drawing/2014/main" id="{F6163872-A705-0D48-BD98-189539800897}"/>
+              </a:ext>
+            </a:extLst>
+          </p:cNvPr>
+          <p:cNvSpPr>
+            <a:spLocks noGrp="1"/>
+          </p:cNvSpPr>
+          <p:nvPr>
+            <p:ph idx="1"/>
+          </p:nvPr>
+        </p:nvSpPr>
+        <p:spPr>
+          <a:xfrm>
+            <a:off x="838200" y="299803"/>
+            <a:ext cx="10515600" cy="5877160"/>
+          </a:xfrm>
+        </p:spPr>
+        <p:txBody>
+          <a:bodyPr/>
+          <a:lstStyle/>
+          <a:p>
+            <a:pPr marL="0" indent="0">
+              <a:buNone/>
+            </a:pPr>
+            <a:r>
+              <a:rPr lang="en-US" altLang="ja-JP"/>
+              <a:t>create_ubuntu.sh</a:t>
+            </a:r>
+          </a:p>
+          <a:p>
+            <a:pPr marL="0" indent="0">
+              <a:buNone/>
+            </a:pPr>
+            <a:r>
+              <a:rPr lang="en" altLang="ja-JP" sz="2400"/>
+              <a:t>multipass launch -n ubuntu -d 50G -m 8G --cloud-init cloud-config.yaml</a:t>
+            </a:r>
+          </a:p>
+          <a:p>
+            <a:pPr marL="0" indent="0">
+              <a:buNone/>
+            </a:pPr>
+            <a:endParaRPr lang="en-US" altLang="ja-JP" sz="2400"/>
+          </a:p>
+          <a:p>
+            <a:pPr marL="0" indent="0">
+              <a:buNone/>
+            </a:pPr>
+            <a:endParaRPr lang="en-US" altLang="ja-JP" sz="2400"/>
+          </a:p>
+          <a:p>
+            <a:pPr marL="0" indent="0">
+              <a:buNone/>
+            </a:pPr>
+            <a:endParaRPr lang="en-US" altLang="ja-JP" sz="2400"/>
+          </a:p>
+        </p:txBody>
+      </p:sp>
+    </p:spTree>
+    <p:extLst>
+      <p:ext uri="{BB962C8B-B14F-4D97-AF65-F5344CB8AC3E}">
+        <p14:creationId xmlns:p14="http://schemas.microsoft.com/office/powerpoint/2010/main" val="4212031245"/>
+      </p:ext>
+    </p:extLst>
+  </p:cSld>
+  <p:clrMapOvr>
+    <a:masterClrMapping/>
+  </p:clrMapOvr>
+</p:sld>
+</file>
+
+<file path=ppt/slides/slide4.xml><?xml version="1.0" encoding="utf-8"?>
+<p:sld xmlns:a="http://schemas.openxmlformats.org/drawingml/2006/main" xmlns:r="http://schemas.openxmlformats.org/officeDocument/2006/relationships" xmlns:p="http://schemas.openxmlformats.org/presentationml/2006/main">
+  <p:cSld>
+    <p:spTree>
+      <p:nvGrpSpPr>
+        <p:cNvPr id="1" name=""/>
+        <p:cNvGrpSpPr/>
+        <p:nvPr/>
+      </p:nvGrpSpPr>
+      <p:grpSpPr>
+        <a:xfrm>
+          <a:off x="0" y="0"/>
+          <a:ext cx="0" cy="0"/>
+          <a:chOff x="0" y="0"/>
+          <a:chExt cx="0" cy="0"/>
+        </a:xfrm>
+      </p:grpSpPr>
+      <p:sp>
+        <p:nvSpPr>
+          <p:cNvPr id="5" name="コンテンツ プレースホルダー 4">
+            <a:extLst>
+              <a:ext uri="{FF2B5EF4-FFF2-40B4-BE49-F238E27FC236}">
+                <a16:creationId xmlns:a16="http://schemas.microsoft.com/office/drawing/2014/main" id="{F6163872-A705-0D48-BD98-189539800897}"/>
+              </a:ext>
+            </a:extLst>
+          </p:cNvPr>
+          <p:cNvSpPr>
+            <a:spLocks noGrp="1"/>
+          </p:cNvSpPr>
+          <p:nvPr>
+            <p:ph idx="1"/>
+          </p:nvPr>
+        </p:nvSpPr>
+        <p:spPr>
+          <a:xfrm>
+            <a:off x="838200" y="299803"/>
+            <a:ext cx="10515600" cy="5877160"/>
+          </a:xfrm>
+        </p:spPr>
+        <p:txBody>
+          <a:bodyPr>
+            <a:normAutofit/>
+          </a:bodyPr>
+          <a:lstStyle/>
+          <a:p>
+            <a:pPr marL="0" indent="0">
+              <a:buNone/>
+            </a:pPr>
+            <a:r>
+              <a:rPr lang="en-US" altLang="ja-JP"/>
+              <a:t>cloud-config.yaml</a:t>
+            </a:r>
+          </a:p>
+          <a:p>
+            <a:pPr marL="0" indent="0">
+              <a:buNone/>
+            </a:pPr>
+            <a:r>
+              <a:rPr lang="en-US" altLang="ja-JP" sz="2400"/>
+              <a:t>packages:</a:t>
+            </a:r>
+          </a:p>
+          <a:p>
+            <a:pPr marL="0" indent="0">
+              <a:buNone/>
+            </a:pPr>
+            <a:r>
+              <a:rPr lang="en-US" altLang="ja-JP" sz="2400"/>
+              <a:t>  - docker.io</a:t>
+            </a:r>
+          </a:p>
+          <a:p>
+            <a:pPr marL="0" indent="0">
+              <a:buNone/>
+            </a:pPr>
+            <a:r>
+              <a:rPr lang="en-US" altLang="ja-JP" sz="2400"/>
+              <a:t>  - docker-compose</a:t>
+            </a:r>
+          </a:p>
+          <a:p>
+            <a:pPr marL="0" indent="0">
+              <a:buNone/>
+            </a:pPr>
+            <a:endParaRPr lang="en-US" altLang="ja-JP" sz="2400"/>
+          </a:p>
+          <a:p>
+            <a:pPr marL="0" indent="0">
+              <a:buNone/>
+            </a:pPr>
+            <a:r>
+              <a:rPr lang="en-US" altLang="ja-JP" sz="2400"/>
+              <a:t>runcmd:</a:t>
+            </a:r>
+          </a:p>
+          <a:p>
+            <a:pPr marL="0" indent="0">
+              <a:buNone/>
+            </a:pPr>
+            <a:r>
+              <a:rPr lang="en-US" altLang="ja-JP" sz="2400"/>
+              <a:t>  - usermod -aG docker ubuntu</a:t>
+            </a:r>
+          </a:p>
+          <a:p>
+            <a:pPr marL="0" indent="0">
+              <a:buNone/>
+            </a:pPr>
+            <a:endParaRPr lang="en-US" altLang="ja-JP" sz="2400"/>
+          </a:p>
+          <a:p>
+            <a:pPr marL="0" indent="0">
+              <a:buNone/>
+            </a:pPr>
+            <a:endParaRPr lang="en-US" altLang="ja-JP" sz="2400"/>
+          </a:p>
+        </p:txBody>
+      </p:sp>
+    </p:spTree>
+    <p:extLst>
+      <p:ext uri="{BB962C8B-B14F-4D97-AF65-F5344CB8AC3E}">
+        <p14:creationId xmlns:p14="http://schemas.microsoft.com/office/powerpoint/2010/main" val="347671778"/>
+      </p:ext>
+    </p:extLst>
+  </p:cSld>
+  <p:clrMapOvr>
+    <a:masterClrMapping/>
+  </p:clrMapOvr>
+</p:sld>
+</file>
+
+<file path=ppt/slides/slide5.xml><?xml version="1.0" encoding="utf-8"?>
+<p:sld xmlns:a="http://schemas.openxmlformats.org/drawingml/2006/main" xmlns:r="http://schemas.openxmlformats.org/officeDocument/2006/relationships" xmlns:p="http://schemas.openxmlformats.org/presentationml/2006/main">
+  <p:cSld>
+    <p:spTree>
+      <p:nvGrpSpPr>
+        <p:cNvPr id="1" name=""/>
+        <p:cNvGrpSpPr/>
+        <p:nvPr/>
+      </p:nvGrpSpPr>
+      <p:grpSpPr>
+        <a:xfrm>
+          <a:off x="0" y="0"/>
+          <a:ext cx="0" cy="0"/>
+          <a:chOff x="0" y="0"/>
+          <a:chExt cx="0" cy="0"/>
+        </a:xfrm>
+      </p:grpSpPr>
+      <p:sp>
+        <p:nvSpPr>
+          <p:cNvPr id="5" name="コンテンツ プレースホルダー 4">
+            <a:extLst>
+              <a:ext uri="{FF2B5EF4-FFF2-40B4-BE49-F238E27FC236}">
+                <a16:creationId xmlns:a16="http://schemas.microsoft.com/office/drawing/2014/main" id="{F6163872-A705-0D48-BD98-189539800897}"/>
+              </a:ext>
+            </a:extLst>
+          </p:cNvPr>
+          <p:cNvSpPr>
+            <a:spLocks noGrp="1"/>
+          </p:cNvSpPr>
+          <p:nvPr>
+            <p:ph idx="1"/>
+          </p:nvPr>
+        </p:nvSpPr>
+        <p:spPr>
+          <a:xfrm>
+            <a:off x="838200" y="299803"/>
+            <a:ext cx="10515600" cy="5877160"/>
+          </a:xfrm>
+        </p:spPr>
+        <p:txBody>
+          <a:bodyPr>
+            <a:normAutofit/>
+          </a:bodyPr>
+          <a:lstStyle/>
+          <a:p>
+            <a:pPr marL="0" indent="0">
+              <a:buNone/>
+            </a:pPr>
+            <a:r>
+              <a:rPr lang="en-US" altLang="ja-JP"/>
+              <a:t>Ubuntu</a:t>
+            </a:r>
+            <a:r>
+              <a:rPr lang="ja-JP" altLang="en-US"/>
+              <a:t>にログイン</a:t>
+            </a:r>
+            <a:endParaRPr lang="en-US" altLang="ja-JP"/>
+          </a:p>
+          <a:p>
+            <a:pPr marL="0" indent="0">
+              <a:buNone/>
+            </a:pPr>
+            <a:r>
+              <a:rPr lang="en-US" altLang="ja-JP" sz="2400"/>
+              <a:t>packages:</a:t>
+            </a:r>
+          </a:p>
+          <a:p>
+            <a:pPr marL="0" indent="0">
+              <a:buNone/>
+            </a:pPr>
+            <a:r>
+              <a:rPr lang="en-US" altLang="ja-JP" sz="2400"/>
+              <a:t>  - docker.io</a:t>
+            </a:r>
+          </a:p>
+          <a:p>
+            <a:pPr marL="0" indent="0">
+              <a:buNone/>
+            </a:pPr>
+            <a:r>
+              <a:rPr lang="en-US" altLang="ja-JP" sz="2400"/>
+              <a:t>  - docker-compose</a:t>
+            </a:r>
+          </a:p>
+          <a:p>
+            <a:pPr marL="0" indent="0">
+              <a:buNone/>
+            </a:pPr>
+            <a:endParaRPr lang="en-US" altLang="ja-JP" sz="2400"/>
+          </a:p>
+          <a:p>
+            <a:pPr marL="0" indent="0">
+              <a:buNone/>
+            </a:pPr>
+            <a:r>
+              <a:rPr lang="en-US" altLang="ja-JP" sz="2400"/>
+              <a:t>runcmd:</a:t>
+            </a:r>
+          </a:p>
+          <a:p>
+            <a:pPr marL="0" indent="0">
+              <a:buNone/>
+            </a:pPr>
+            <a:r>
+              <a:rPr lang="en-US" altLang="ja-JP" sz="2400"/>
+              <a:t>  - usermod -aG docker ubuntu</a:t>
+            </a:r>
+          </a:p>
+          <a:p>
+            <a:pPr marL="0" indent="0">
+              <a:buNone/>
+            </a:pPr>
+            <a:endParaRPr lang="en-US" altLang="ja-JP" sz="2400"/>
+          </a:p>
+          <a:p>
+            <a:pPr marL="0" indent="0">
+              <a:buNone/>
+            </a:pPr>
+            <a:endParaRPr lang="en-US" altLang="ja-JP" sz="2400"/>
+          </a:p>
+        </p:txBody>
+      </p:sp>
+    </p:spTree>
+    <p:extLst>
+      <p:ext uri="{BB962C8B-B14F-4D97-AF65-F5344CB8AC3E}">
+        <p14:creationId xmlns:p14="http://schemas.microsoft.com/office/powerpoint/2010/main" val="3446600728"/>
       </p:ext>
     </p:extLst>
   </p:cSld>

--- a/curriculum/1_preparation/1_docker_mac.pptx
+++ b/curriculum/1_preparation/1_docker_mac.pptx
@@ -5,7 +5,7 @@
     <p:sldMasterId id="2147483648" r:id="rId1"/>
   </p:sldMasterIdLst>
   <p:notesMasterIdLst>
-    <p:notesMasterId r:id="rId7"/>
+    <p:notesMasterId r:id="rId11"/>
   </p:notesMasterIdLst>
   <p:sldIdLst>
     <p:sldId id="258" r:id="rId2"/>
@@ -13,6 +13,10 @@
     <p:sldId id="262" r:id="rId4"/>
     <p:sldId id="260" r:id="rId5"/>
     <p:sldId id="261" r:id="rId6"/>
+    <p:sldId id="265" r:id="rId7"/>
+    <p:sldId id="263" r:id="rId8"/>
+    <p:sldId id="264" r:id="rId9"/>
+    <p:sldId id="266" r:id="rId10"/>
   </p:sldIdLst>
   <p:sldSz cx="12192000" cy="6858000"/>
   <p:notesSz cx="6858000" cy="9144000"/>
@@ -914,7 +918,7 @@
             </a:r>
             <a:r>
               <a:rPr lang="ja-JP" altLang="en-US" sz="1200"/>
-              <a:t>で仮想マシンを設定するときの追加の設定を指定します。</a:t>
+              <a:t>で仮想マシンを作成するときの追加の設定を指定します。</a:t>
             </a:r>
             <a:endParaRPr lang="en-US" altLang="ja-JP" sz="1200"/>
           </a:p>
@@ -1005,7 +1009,7 @@
             </a:r>
             <a:r>
               <a:rPr kumimoji="1" lang="ja-JP" altLang="en-US"/>
-              <a:t>の内容の重要な部分を確認しましょう</a:t>
+              <a:t>の重要な部分を確認しましょう</a:t>
             </a:r>
             <a:r>
               <a:rPr lang="ja-JP" altLang="en-US" sz="1200"/>
@@ -1184,12 +1188,16 @@
           <a:lstStyle/>
           <a:p>
             <a:r>
-              <a:rPr kumimoji="1" lang="en-US" altLang="ja-JP"/>
-              <a:t>cloud-config.yaml</a:t>
-            </a:r>
-            <a:r>
-              <a:rPr kumimoji="1" lang="ja-JP" altLang="en-US"/>
-              <a:t>の内容の重要な部分を確認しましょう</a:t>
+              <a:rPr kumimoji="1" lang="ja-JP" altLang="en-US" sz="1200"/>
+              <a:t>作成した</a:t>
+            </a:r>
+            <a:r>
+              <a:rPr kumimoji="1" lang="en-US" altLang="ja-JP" sz="1200"/>
+              <a:t>Ubuntu</a:t>
+            </a:r>
+            <a:r>
+              <a:rPr kumimoji="1" lang="ja-JP" altLang="en-US" sz="1200"/>
+              <a:t>にログインしてみましょう</a:t>
             </a:r>
             <a:r>
               <a:rPr lang="ja-JP" altLang="en-US" sz="1200"/>
@@ -1200,11 +1208,32 @@
           <a:p>
             <a:r>
               <a:rPr lang="en-US" altLang="ja-JP" sz="1200"/>
-              <a:t>Multipass</a:t>
+              <a:t>multipass shell</a:t>
             </a:r>
             <a:r>
               <a:rPr lang="ja-JP" altLang="en-US" sz="1200"/>
-              <a:t>で作成される</a:t>
+              <a:t>コマンドを使います。</a:t>
+            </a:r>
+            <a:endParaRPr lang="en-US" altLang="ja-JP" sz="1200"/>
+          </a:p>
+          <a:p>
+            <a:endParaRPr lang="en-US" altLang="ja-JP" sz="1200"/>
+          </a:p>
+          <a:p>
+            <a:r>
+              <a:rPr lang="en-US" altLang="ja-JP" sz="1200"/>
+              <a:t>docker ps</a:t>
+            </a:r>
+            <a:r>
+              <a:rPr lang="ja-JP" altLang="en-US" sz="1200"/>
+              <a:t>を実行してみましょう。</a:t>
+            </a:r>
+            <a:endParaRPr lang="en-US" altLang="ja-JP" sz="1200"/>
+          </a:p>
+          <a:p>
+            <a:r>
+              <a:rPr lang="ja-JP" altLang="en-US" sz="1200"/>
+              <a:t>エラーが起きなければ、</a:t>
             </a:r>
             <a:r>
               <a:rPr lang="en-US" altLang="ja-JP" sz="1200"/>
@@ -1212,77 +1241,29 @@
             </a:r>
             <a:r>
               <a:rPr lang="ja-JP" altLang="en-US" sz="1200"/>
-              <a:t>には、</a:t>
-            </a:r>
+              <a:t>の作成はうまく行っています。</a:t>
+            </a:r>
+            <a:endParaRPr lang="en-US" altLang="ja-JP" sz="1200"/>
+          </a:p>
+          <a:p>
+            <a:endParaRPr lang="en-US" altLang="ja-JP" sz="1200"/>
+          </a:p>
+          <a:p>
             <a:r>
               <a:rPr lang="en-US" altLang="ja-JP" sz="1200"/>
-              <a:t>docker</a:t>
+              <a:t>exist</a:t>
             </a:r>
             <a:r>
               <a:rPr lang="ja-JP" altLang="en-US" sz="1200"/>
-              <a:t>クライアントがインストールされていないので、</a:t>
+              <a:t>コマンドで</a:t>
             </a:r>
             <a:r>
               <a:rPr lang="en-US" altLang="ja-JP" sz="1200"/>
-              <a:t>docker.io</a:t>
+              <a:t>Ubuntu</a:t>
             </a:r>
             <a:r>
               <a:rPr lang="ja-JP" altLang="en-US" sz="1200"/>
-              <a:t>と</a:t>
-            </a:r>
-            <a:r>
-              <a:rPr lang="en-US" altLang="ja-JP" sz="1200"/>
-              <a:t>docker-compose</a:t>
-            </a:r>
-            <a:r>
-              <a:rPr lang="ja-JP" altLang="en-US" sz="1200"/>
-              <a:t>をインストールします。</a:t>
-            </a:r>
-            <a:endParaRPr lang="en-US" altLang="ja-JP" sz="1200"/>
-          </a:p>
-          <a:p>
-            <a:r>
-              <a:rPr lang="ja-JP" altLang="en-US" sz="1200"/>
-              <a:t>デフォルトユーザの</a:t>
-            </a:r>
-            <a:r>
-              <a:rPr lang="en-US" altLang="ja-JP" sz="1200"/>
-              <a:t>ubuntu</a:t>
-            </a:r>
-            <a:r>
-              <a:rPr lang="ja-JP" altLang="en-US" sz="1200"/>
-              <a:t>を</a:t>
-            </a:r>
-            <a:r>
-              <a:rPr lang="en-US" altLang="ja-JP" sz="1200"/>
-              <a:t>docker</a:t>
-            </a:r>
-            <a:r>
-              <a:rPr lang="ja-JP" altLang="en-US" sz="1200"/>
-              <a:t>グループに入れます。</a:t>
-            </a:r>
-            <a:endParaRPr lang="en-US" altLang="ja-JP" sz="1200"/>
-          </a:p>
-          <a:p>
-            <a:r>
-              <a:rPr lang="ja-JP" altLang="en-US" sz="1200"/>
-              <a:t>これにより、</a:t>
-            </a:r>
-            <a:r>
-              <a:rPr lang="en-US" altLang="ja-JP" sz="1200"/>
-              <a:t>docker</a:t>
-            </a:r>
-            <a:r>
-              <a:rPr lang="ja-JP" altLang="en-US" sz="1200"/>
-              <a:t>クライアントを</a:t>
-            </a:r>
-            <a:r>
-              <a:rPr lang="en-US" altLang="ja-JP" sz="1200"/>
-              <a:t>sudo</a:t>
-            </a:r>
-            <a:r>
-              <a:rPr lang="ja-JP" altLang="en-US" sz="1200"/>
-              <a:t>なしで実行できるようになります。</a:t>
+              <a:t>からログアウトしましょう。</a:t>
             </a:r>
             <a:endParaRPr lang="en-US" altLang="ja-JP" sz="1200"/>
           </a:p>
@@ -1314,6 +1295,650 @@
     <p:extLst>
       <p:ext uri="{BB962C8B-B14F-4D97-AF65-F5344CB8AC3E}">
         <p14:creationId xmlns:p14="http://schemas.microsoft.com/office/powerpoint/2010/main" val="3687469845"/>
+      </p:ext>
+    </p:extLst>
+  </p:cSld>
+  <p:clrMapOvr>
+    <a:masterClrMapping/>
+  </p:clrMapOvr>
+</p:notes>
+</file>
+
+<file path=ppt/notesSlides/notesSlide6.xml><?xml version="1.0" encoding="utf-8"?>
+<p:notes xmlns:a="http://schemas.openxmlformats.org/drawingml/2006/main" xmlns:r="http://schemas.openxmlformats.org/officeDocument/2006/relationships" xmlns:p="http://schemas.openxmlformats.org/presentationml/2006/main">
+  <p:cSld>
+    <p:spTree>
+      <p:nvGrpSpPr>
+        <p:cNvPr id="1" name=""/>
+        <p:cNvGrpSpPr/>
+        <p:nvPr/>
+      </p:nvGrpSpPr>
+      <p:grpSpPr>
+        <a:xfrm>
+          <a:off x="0" y="0"/>
+          <a:ext cx="0" cy="0"/>
+          <a:chOff x="0" y="0"/>
+          <a:chExt cx="0" cy="0"/>
+        </a:xfrm>
+      </p:grpSpPr>
+      <p:sp>
+        <p:nvSpPr>
+          <p:cNvPr id="2" name="スライド イメージ プレースホルダー 1"/>
+          <p:cNvSpPr>
+            <a:spLocks noGrp="1" noRot="1" noChangeAspect="1"/>
+          </p:cNvSpPr>
+          <p:nvPr>
+            <p:ph type="sldImg"/>
+          </p:nvPr>
+        </p:nvSpPr>
+        <p:spPr/>
+      </p:sp>
+      <p:sp>
+        <p:nvSpPr>
+          <p:cNvPr id="3" name="ノート プレースホルダー 2"/>
+          <p:cNvSpPr>
+            <a:spLocks noGrp="1"/>
+          </p:cNvSpPr>
+          <p:nvPr>
+            <p:ph type="body" idx="1"/>
+          </p:nvPr>
+        </p:nvSpPr>
+        <p:spPr/>
+        <p:txBody>
+          <a:bodyPr/>
+          <a:lstStyle/>
+          <a:p>
+            <a:r>
+              <a:rPr kumimoji="1" lang="en-US" altLang="ja-JP" sz="1200"/>
+              <a:t>Ubuntu</a:t>
+            </a:r>
+            <a:r>
+              <a:rPr kumimoji="1" lang="ja-JP" altLang="en-US" sz="1200"/>
+              <a:t>の</a:t>
+            </a:r>
+            <a:r>
+              <a:rPr kumimoji="1" lang="en-US" altLang="ja-JP" sz="1200"/>
+              <a:t>IP</a:t>
+            </a:r>
+            <a:r>
+              <a:rPr kumimoji="1" lang="ja-JP" altLang="en-US" sz="1200"/>
+              <a:t>アドレスを確認しましょう</a:t>
+            </a:r>
+            <a:r>
+              <a:rPr lang="ja-JP" altLang="en-US" sz="1200"/>
+              <a:t>。</a:t>
+            </a:r>
+            <a:endParaRPr lang="en-US" altLang="ja-JP" sz="1200"/>
+          </a:p>
+          <a:p>
+            <a:r>
+              <a:rPr lang="en-US" altLang="ja-JP" sz="1200"/>
+              <a:t>multipass list</a:t>
+            </a:r>
+            <a:r>
+              <a:rPr lang="ja-JP" altLang="en-US" sz="1200"/>
+              <a:t>コマンドを使います。</a:t>
+            </a:r>
+            <a:endParaRPr lang="en-US" altLang="ja-JP" sz="1200"/>
+          </a:p>
+          <a:p>
+            <a:r>
+              <a:rPr lang="en-US" altLang="ja-JP" sz="1200"/>
+              <a:t>192.168</a:t>
+            </a:r>
+            <a:r>
+              <a:rPr lang="ja-JP" altLang="en-US" sz="1200"/>
+              <a:t>で始まるアドレスが、この後必要になる</a:t>
+            </a:r>
+            <a:r>
+              <a:rPr lang="en-US" altLang="ja-JP" sz="1200"/>
+              <a:t>IP</a:t>
+            </a:r>
+            <a:r>
+              <a:rPr lang="ja-JP" altLang="en-US" sz="1200"/>
+              <a:t>アドレスです。</a:t>
+            </a:r>
+            <a:endParaRPr lang="en-US" altLang="ja-JP" sz="1200"/>
+          </a:p>
+        </p:txBody>
+      </p:sp>
+      <p:sp>
+        <p:nvSpPr>
+          <p:cNvPr id="4" name="スライド番号プレースホルダー 3"/>
+          <p:cNvSpPr>
+            <a:spLocks noGrp="1"/>
+          </p:cNvSpPr>
+          <p:nvPr>
+            <p:ph type="sldNum" sz="quarter" idx="5"/>
+          </p:nvPr>
+        </p:nvSpPr>
+        <p:spPr/>
+        <p:txBody>
+          <a:bodyPr/>
+          <a:lstStyle/>
+          <a:p>
+            <a:fld id="{973D58C5-2AAA-9546-8752-FF8AAD0671F2}" type="slidenum">
+              <a:t>6</a:t>
+            </a:fld>
+            <a:endParaRPr kumimoji="1" lang="ja-JP" altLang="en-US"/>
+          </a:p>
+        </p:txBody>
+      </p:sp>
+    </p:spTree>
+    <p:extLst>
+      <p:ext uri="{BB962C8B-B14F-4D97-AF65-F5344CB8AC3E}">
+        <p14:creationId xmlns:p14="http://schemas.microsoft.com/office/powerpoint/2010/main" val="2398097453"/>
+      </p:ext>
+    </p:extLst>
+  </p:cSld>
+  <p:clrMapOvr>
+    <a:masterClrMapping/>
+  </p:clrMapOvr>
+</p:notes>
+</file>
+
+<file path=ppt/notesSlides/notesSlide7.xml><?xml version="1.0" encoding="utf-8"?>
+<p:notes xmlns:a="http://schemas.openxmlformats.org/drawingml/2006/main" xmlns:r="http://schemas.openxmlformats.org/officeDocument/2006/relationships" xmlns:p="http://schemas.openxmlformats.org/presentationml/2006/main">
+  <p:cSld>
+    <p:spTree>
+      <p:nvGrpSpPr>
+        <p:cNvPr id="1" name=""/>
+        <p:cNvGrpSpPr/>
+        <p:nvPr/>
+      </p:nvGrpSpPr>
+      <p:grpSpPr>
+        <a:xfrm>
+          <a:off x="0" y="0"/>
+          <a:ext cx="0" cy="0"/>
+          <a:chOff x="0" y="0"/>
+          <a:chExt cx="0" cy="0"/>
+        </a:xfrm>
+      </p:grpSpPr>
+      <p:sp>
+        <p:nvSpPr>
+          <p:cNvPr id="2" name="スライド イメージ プレースホルダー 1"/>
+          <p:cNvSpPr>
+            <a:spLocks noGrp="1" noRot="1" noChangeAspect="1"/>
+          </p:cNvSpPr>
+          <p:nvPr>
+            <p:ph type="sldImg"/>
+          </p:nvPr>
+        </p:nvSpPr>
+        <p:spPr/>
+      </p:sp>
+      <p:sp>
+        <p:nvSpPr>
+          <p:cNvPr id="3" name="ノート プレースホルダー 2"/>
+          <p:cNvSpPr>
+            <a:spLocks noGrp="1"/>
+          </p:cNvSpPr>
+          <p:nvPr>
+            <p:ph type="body" idx="1"/>
+          </p:nvPr>
+        </p:nvSpPr>
+        <p:spPr/>
+        <p:txBody>
+          <a:bodyPr/>
+          <a:lstStyle/>
+          <a:p>
+            <a:r>
+              <a:rPr kumimoji="1" lang="en-US" altLang="ja-JP" sz="1200"/>
+              <a:t>Ubuntu</a:t>
+            </a:r>
+            <a:r>
+              <a:rPr kumimoji="1" lang="ja-JP" altLang="en-US" sz="1200"/>
+              <a:t>に</a:t>
+            </a:r>
+            <a:r>
+              <a:rPr kumimoji="1" lang="en-US" altLang="ja-JP" sz="1200"/>
+              <a:t>SSH</a:t>
+            </a:r>
+            <a:r>
+              <a:rPr kumimoji="1" lang="ja-JP" altLang="en-US" sz="1200"/>
+              <a:t>でログインするために、</a:t>
+            </a:r>
+            <a:r>
+              <a:rPr kumimoji="1" lang="en-US" altLang="ja-JP" sz="1200"/>
+              <a:t>Multipass</a:t>
+            </a:r>
+            <a:r>
+              <a:rPr kumimoji="1" lang="ja-JP" altLang="en-US" sz="1200"/>
+              <a:t>で予め用意されている</a:t>
+            </a:r>
+            <a:r>
+              <a:rPr kumimoji="1" lang="en-US" altLang="ja-JP" sz="1200"/>
+              <a:t>id_rsa</a:t>
+            </a:r>
+            <a:r>
+              <a:rPr kumimoji="1" lang="ja-JP" altLang="en-US" sz="1200"/>
+              <a:t>ファイルを</a:t>
+            </a:r>
+            <a:r>
+              <a:rPr kumimoji="1" lang="en-US" altLang="ja-JP" sz="1200"/>
+              <a:t>~/.ssh</a:t>
+            </a:r>
+            <a:r>
+              <a:rPr kumimoji="1" lang="ja-JP" altLang="en-US" sz="1200"/>
+              <a:t>にインストールしましょう</a:t>
+            </a:r>
+            <a:r>
+              <a:rPr lang="ja-JP" altLang="en-US" sz="1200"/>
+              <a:t>。</a:t>
+            </a:r>
+            <a:endParaRPr lang="en-US" altLang="ja-JP" sz="1200"/>
+          </a:p>
+          <a:p>
+            <a:r>
+              <a:rPr lang="en-US" altLang="ja-JP" sz="1200"/>
+              <a:t>install_id_rsa.sh</a:t>
+            </a:r>
+            <a:r>
+              <a:rPr lang="ja-JP" altLang="en-US" sz="1200"/>
+              <a:t>を実行します。</a:t>
+            </a:r>
+            <a:endParaRPr lang="en-US" altLang="ja-JP" sz="1200"/>
+          </a:p>
+          <a:p>
+            <a:endParaRPr lang="en-US" altLang="ja-JP" sz="1200"/>
+          </a:p>
+          <a:p>
+            <a:r>
+              <a:rPr lang="ja-JP" altLang="en-US" sz="1200"/>
+              <a:t>インストールの確認として、</a:t>
+            </a:r>
+            <a:r>
+              <a:rPr lang="en-US" altLang="ja-JP" sz="1200"/>
+              <a:t>.ssh</a:t>
+            </a:r>
+            <a:r>
+              <a:rPr lang="ja-JP" altLang="en-US" sz="1200"/>
+              <a:t>ディレクトリを</a:t>
+            </a:r>
+            <a:r>
+              <a:rPr lang="en-US" altLang="ja-JP" sz="1200"/>
+              <a:t>ls</a:t>
+            </a:r>
+            <a:r>
+              <a:rPr lang="ja-JP" altLang="en-US" sz="1200"/>
+              <a:t>コマンドで確認しましょう。</a:t>
+            </a:r>
+            <a:endParaRPr lang="en-US" altLang="ja-JP" sz="1200"/>
+          </a:p>
+          <a:p>
+            <a:r>
+              <a:rPr lang="en-US" altLang="ja-JP" sz="1200"/>
+              <a:t>multipass.id_rsa</a:t>
+            </a:r>
+            <a:r>
+              <a:rPr lang="ja-JP" altLang="en-US" sz="1200"/>
+              <a:t>ファイルがあればうまくいいっています。</a:t>
+            </a:r>
+            <a:endParaRPr lang="en-US" altLang="ja-JP" sz="1200"/>
+          </a:p>
+        </p:txBody>
+      </p:sp>
+      <p:sp>
+        <p:nvSpPr>
+          <p:cNvPr id="4" name="スライド番号プレースホルダー 3"/>
+          <p:cNvSpPr>
+            <a:spLocks noGrp="1"/>
+          </p:cNvSpPr>
+          <p:nvPr>
+            <p:ph type="sldNum" sz="quarter" idx="5"/>
+          </p:nvPr>
+        </p:nvSpPr>
+        <p:spPr/>
+        <p:txBody>
+          <a:bodyPr/>
+          <a:lstStyle/>
+          <a:p>
+            <a:fld id="{973D58C5-2AAA-9546-8752-FF8AAD0671F2}" type="slidenum">
+              <a:t>7</a:t>
+            </a:fld>
+            <a:endParaRPr kumimoji="1" lang="ja-JP" altLang="en-US"/>
+          </a:p>
+        </p:txBody>
+      </p:sp>
+    </p:spTree>
+    <p:extLst>
+      <p:ext uri="{BB962C8B-B14F-4D97-AF65-F5344CB8AC3E}">
+        <p14:creationId xmlns:p14="http://schemas.microsoft.com/office/powerpoint/2010/main" val="649320755"/>
+      </p:ext>
+    </p:extLst>
+  </p:cSld>
+  <p:clrMapOvr>
+    <a:masterClrMapping/>
+  </p:clrMapOvr>
+</p:notes>
+</file>
+
+<file path=ppt/notesSlides/notesSlide8.xml><?xml version="1.0" encoding="utf-8"?>
+<p:notes xmlns:a="http://schemas.openxmlformats.org/drawingml/2006/main" xmlns:r="http://schemas.openxmlformats.org/officeDocument/2006/relationships" xmlns:p="http://schemas.openxmlformats.org/presentationml/2006/main">
+  <p:cSld>
+    <p:spTree>
+      <p:nvGrpSpPr>
+        <p:cNvPr id="1" name=""/>
+        <p:cNvGrpSpPr/>
+        <p:nvPr/>
+      </p:nvGrpSpPr>
+      <p:grpSpPr>
+        <a:xfrm>
+          <a:off x="0" y="0"/>
+          <a:ext cx="0" cy="0"/>
+          <a:chOff x="0" y="0"/>
+          <a:chExt cx="0" cy="0"/>
+        </a:xfrm>
+      </p:grpSpPr>
+      <p:sp>
+        <p:nvSpPr>
+          <p:cNvPr id="2" name="スライド イメージ プレースホルダー 1"/>
+          <p:cNvSpPr>
+            <a:spLocks noGrp="1" noRot="1" noChangeAspect="1"/>
+          </p:cNvSpPr>
+          <p:nvPr>
+            <p:ph type="sldImg"/>
+          </p:nvPr>
+        </p:nvSpPr>
+        <p:spPr/>
+      </p:sp>
+      <p:sp>
+        <p:nvSpPr>
+          <p:cNvPr id="3" name="ノート プレースホルダー 2"/>
+          <p:cNvSpPr>
+            <a:spLocks noGrp="1"/>
+          </p:cNvSpPr>
+          <p:nvPr>
+            <p:ph type="body" idx="1"/>
+          </p:nvPr>
+        </p:nvSpPr>
+        <p:spPr/>
+        <p:txBody>
+          <a:bodyPr/>
+          <a:lstStyle/>
+          <a:p>
+            <a:r>
+              <a:rPr lang="en-US" altLang="ja-JP" sz="1200"/>
+              <a:t>.ssh</a:t>
+            </a:r>
+            <a:r>
+              <a:rPr lang="ja-JP" altLang="en-US" sz="1200"/>
+              <a:t>ディレクトリの</a:t>
+            </a:r>
+            <a:r>
+              <a:rPr lang="en-US" altLang="ja-JP" sz="1200"/>
+              <a:t>conig</a:t>
+            </a:r>
+            <a:r>
+              <a:rPr lang="ja-JP" altLang="en-US" sz="1200"/>
+              <a:t>ファイルを編集します。</a:t>
+            </a:r>
+            <a:endParaRPr lang="en-US" altLang="ja-JP" sz="1200"/>
+          </a:p>
+          <a:p>
+            <a:r>
+              <a:rPr lang="ja-JP" altLang="en-US" sz="1200"/>
+              <a:t>適当なエディタで</a:t>
+            </a:r>
+            <a:r>
+              <a:rPr lang="en-US" altLang="ja-JP" sz="1200"/>
+              <a:t>config</a:t>
+            </a:r>
+            <a:r>
+              <a:rPr lang="ja-JP" altLang="en-US" sz="1200"/>
+              <a:t>ファイルを開いてください。</a:t>
+            </a:r>
+            <a:endParaRPr lang="en-US" altLang="ja-JP" sz="1200"/>
+          </a:p>
+          <a:p>
+            <a:endParaRPr lang="en-US" altLang="ja-JP" sz="1200"/>
+          </a:p>
+          <a:p>
+            <a:r>
+              <a:rPr lang="en-US" altLang="ja-JP" sz="1200"/>
+              <a:t>hostname</a:t>
+            </a:r>
+            <a:r>
+              <a:rPr lang="ja-JP" altLang="en-US" sz="1200"/>
+              <a:t>を</a:t>
+            </a:r>
+            <a:r>
+              <a:rPr lang="en-US" altLang="ja-JP" sz="1200"/>
+              <a:t>multipass list</a:t>
+            </a:r>
+            <a:r>
+              <a:rPr lang="ja-JP" altLang="en-US" sz="1200"/>
+              <a:t>コマンドで確認した</a:t>
+            </a:r>
+            <a:r>
+              <a:rPr lang="en-US" altLang="ja-JP" sz="1200"/>
+              <a:t>IP</a:t>
+            </a:r>
+            <a:r>
+              <a:rPr lang="ja-JP" altLang="en-US" sz="1200"/>
+              <a:t>アドレスに設定しましょう。</a:t>
+            </a:r>
+            <a:endParaRPr lang="en-US" altLang="ja-JP" sz="1200"/>
+          </a:p>
+        </p:txBody>
+      </p:sp>
+      <p:sp>
+        <p:nvSpPr>
+          <p:cNvPr id="4" name="スライド番号プレースホルダー 3"/>
+          <p:cNvSpPr>
+            <a:spLocks noGrp="1"/>
+          </p:cNvSpPr>
+          <p:nvPr>
+            <p:ph type="sldNum" sz="quarter" idx="5"/>
+          </p:nvPr>
+        </p:nvSpPr>
+        <p:spPr/>
+        <p:txBody>
+          <a:bodyPr/>
+          <a:lstStyle/>
+          <a:p>
+            <a:fld id="{973D58C5-2AAA-9546-8752-FF8AAD0671F2}" type="slidenum">
+              <a:t>8</a:t>
+            </a:fld>
+            <a:endParaRPr kumimoji="1" lang="ja-JP" altLang="en-US"/>
+          </a:p>
+        </p:txBody>
+      </p:sp>
+    </p:spTree>
+    <p:extLst>
+      <p:ext uri="{BB962C8B-B14F-4D97-AF65-F5344CB8AC3E}">
+        <p14:creationId xmlns:p14="http://schemas.microsoft.com/office/powerpoint/2010/main" val="4294727290"/>
+      </p:ext>
+    </p:extLst>
+  </p:cSld>
+  <p:clrMapOvr>
+    <a:masterClrMapping/>
+  </p:clrMapOvr>
+</p:notes>
+</file>
+
+<file path=ppt/notesSlides/notesSlide9.xml><?xml version="1.0" encoding="utf-8"?>
+<p:notes xmlns:a="http://schemas.openxmlformats.org/drawingml/2006/main" xmlns:r="http://schemas.openxmlformats.org/officeDocument/2006/relationships" xmlns:p="http://schemas.openxmlformats.org/presentationml/2006/main">
+  <p:cSld>
+    <p:spTree>
+      <p:nvGrpSpPr>
+        <p:cNvPr id="1" name=""/>
+        <p:cNvGrpSpPr/>
+        <p:nvPr/>
+      </p:nvGrpSpPr>
+      <p:grpSpPr>
+        <a:xfrm>
+          <a:off x="0" y="0"/>
+          <a:ext cx="0" cy="0"/>
+          <a:chOff x="0" y="0"/>
+          <a:chExt cx="0" cy="0"/>
+        </a:xfrm>
+      </p:grpSpPr>
+      <p:sp>
+        <p:nvSpPr>
+          <p:cNvPr id="2" name="スライド イメージ プレースホルダー 1"/>
+          <p:cNvSpPr>
+            <a:spLocks noGrp="1" noRot="1" noChangeAspect="1"/>
+          </p:cNvSpPr>
+          <p:nvPr>
+            <p:ph type="sldImg"/>
+          </p:nvPr>
+        </p:nvSpPr>
+        <p:spPr/>
+      </p:sp>
+      <p:sp>
+        <p:nvSpPr>
+          <p:cNvPr id="3" name="ノート プレースホルダー 2"/>
+          <p:cNvSpPr>
+            <a:spLocks noGrp="1"/>
+          </p:cNvSpPr>
+          <p:nvPr>
+            <p:ph type="body" idx="1"/>
+          </p:nvPr>
+        </p:nvSpPr>
+        <p:spPr/>
+        <p:txBody>
+          <a:bodyPr/>
+          <a:lstStyle/>
+          <a:p>
+            <a:r>
+              <a:rPr lang="en-US" altLang="ja-JP" sz="1200"/>
+              <a:t>Ubuntu</a:t>
+            </a:r>
+            <a:r>
+              <a:rPr lang="ja-JP" altLang="en-US" sz="1200"/>
+              <a:t>に</a:t>
+            </a:r>
+            <a:r>
+              <a:rPr lang="en-US" altLang="ja-JP" sz="1200"/>
+              <a:t>SSH</a:t>
+            </a:r>
+            <a:r>
+              <a:rPr lang="ja-JP" altLang="en-US" sz="1200"/>
+              <a:t>で接続します。</a:t>
+            </a:r>
+            <a:endParaRPr lang="en-US" altLang="ja-JP" sz="1200"/>
+          </a:p>
+          <a:p>
+            <a:r>
+              <a:rPr lang="en-US" altLang="ja-JP" sz="1200"/>
+              <a:t>ssh</a:t>
+            </a:r>
+            <a:r>
+              <a:rPr lang="ja-JP" altLang="en-US" sz="1200"/>
+              <a:t>コマンドを実行してください。</a:t>
+            </a:r>
+            <a:endParaRPr lang="en-US" altLang="ja-JP" sz="1200"/>
+          </a:p>
+          <a:p>
+            <a:r>
+              <a:rPr lang="ja-JP" altLang="en-US" sz="1200"/>
+              <a:t>質問には、</a:t>
+            </a:r>
+            <a:r>
+              <a:rPr lang="en-US" altLang="ja-JP" sz="1200"/>
+              <a:t>yes</a:t>
+            </a:r>
+            <a:r>
+              <a:rPr lang="ja-JP" altLang="en-US" sz="1200"/>
+              <a:t>と答えます。</a:t>
+            </a:r>
+            <a:endParaRPr lang="en-US" altLang="ja-JP" sz="1200"/>
+          </a:p>
+          <a:p>
+            <a:endParaRPr lang="en-US" altLang="ja-JP" sz="1200"/>
+          </a:p>
+          <a:p>
+            <a:r>
+              <a:rPr lang="en-US" altLang="ja-JP" sz="1200"/>
+              <a:t>ubuntu</a:t>
+            </a:r>
+            <a:r>
+              <a:rPr lang="ja-JP" altLang="en-US" sz="1200"/>
+              <a:t>に接続できたら、</a:t>
+            </a:r>
+            <a:r>
+              <a:rPr lang="en-US" altLang="ja-JP" sz="1200"/>
+              <a:t>docker ps</a:t>
+            </a:r>
+            <a:r>
+              <a:rPr lang="ja-JP" altLang="en-US" sz="1200"/>
+              <a:t>を実行しましょう。</a:t>
+            </a:r>
+            <a:endParaRPr lang="en-US" altLang="ja-JP" sz="1200"/>
+          </a:p>
+          <a:p>
+            <a:r>
+              <a:rPr lang="ja-JP" altLang="en-US" sz="1200"/>
+              <a:t>なんのエラーも起きなければ、</a:t>
+            </a:r>
+            <a:r>
+              <a:rPr lang="en-US" altLang="ja-JP" sz="1200"/>
+              <a:t>Docker</a:t>
+            </a:r>
+            <a:r>
+              <a:rPr lang="ja-JP" altLang="en-US" sz="1200"/>
+              <a:t>デーモンと</a:t>
+            </a:r>
+            <a:r>
+              <a:rPr lang="en-US" altLang="ja-JP" sz="1200"/>
+              <a:t>Docker</a:t>
+            </a:r>
+            <a:r>
+              <a:rPr lang="ja-JP" altLang="en-US" sz="1200"/>
+              <a:t>クライアントの設定はうまく行っています。</a:t>
+            </a:r>
+            <a:endParaRPr lang="en-US" altLang="ja-JP" sz="1200"/>
+          </a:p>
+          <a:p>
+            <a:endParaRPr lang="en-US" altLang="ja-JP" sz="1200"/>
+          </a:p>
+          <a:p>
+            <a:r>
+              <a:rPr lang="en-US" altLang="ja-JP" sz="1200"/>
+              <a:t>exit</a:t>
+            </a:r>
+            <a:r>
+              <a:rPr lang="ja-JP" altLang="en-US" sz="1200"/>
+              <a:t>コマンドで</a:t>
+            </a:r>
+            <a:r>
+              <a:rPr lang="en-US" altLang="ja-JP" sz="1200"/>
+              <a:t>SSH</a:t>
+            </a:r>
+            <a:r>
+              <a:rPr lang="ja-JP" altLang="en-US" sz="1200"/>
+              <a:t>接続を終了させましょう。</a:t>
+            </a:r>
+            <a:endParaRPr lang="en-US" altLang="ja-JP" sz="1200"/>
+          </a:p>
+        </p:txBody>
+      </p:sp>
+      <p:sp>
+        <p:nvSpPr>
+          <p:cNvPr id="4" name="スライド番号プレースホルダー 3"/>
+          <p:cNvSpPr>
+            <a:spLocks noGrp="1"/>
+          </p:cNvSpPr>
+          <p:nvPr>
+            <p:ph type="sldNum" sz="quarter" idx="5"/>
+          </p:nvPr>
+        </p:nvSpPr>
+        <p:spPr/>
+        <p:txBody>
+          <a:bodyPr/>
+          <a:lstStyle/>
+          <a:p>
+            <a:fld id="{973D58C5-2AAA-9546-8752-FF8AAD0671F2}" type="slidenum">
+              <a:t>9</a:t>
+            </a:fld>
+            <a:endParaRPr kumimoji="1" lang="ja-JP" altLang="en-US"/>
+          </a:p>
+        </p:txBody>
+      </p:sp>
+    </p:spTree>
+    <p:extLst>
+      <p:ext uri="{BB962C8B-B14F-4D97-AF65-F5344CB8AC3E}">
+        <p14:creationId xmlns:p14="http://schemas.microsoft.com/office/powerpoint/2010/main" val="1951006303"/>
       </p:ext>
     </p:extLst>
   </p:cSld>
@@ -5329,25 +5954,7 @@
             </a:pPr>
             <a:r>
               <a:rPr lang="en-US" altLang="ja-JP" sz="2400"/>
-              <a:t>packages:</a:t>
-            </a:r>
-          </a:p>
-          <a:p>
-            <a:pPr marL="0" indent="0">
-              <a:buNone/>
-            </a:pPr>
-            <a:r>
-              <a:rPr lang="en-US" altLang="ja-JP" sz="2400"/>
-              <a:t>  - docker.io</a:t>
-            </a:r>
-          </a:p>
-          <a:p>
-            <a:pPr marL="0" indent="0">
-              <a:buNone/>
-            </a:pPr>
-            <a:r>
-              <a:rPr lang="en-US" altLang="ja-JP" sz="2400"/>
-              <a:t>  - docker-compose</a:t>
+              <a:t>$ multipass shell ubuntu</a:t>
             </a:r>
           </a:p>
           <a:p>
@@ -5362,16 +5969,22 @@
             </a:pPr>
             <a:r>
               <a:rPr lang="en-US" altLang="ja-JP" sz="2400"/>
-              <a:t>runcmd:</a:t>
+              <a:t>$ docker ps</a:t>
             </a:r>
           </a:p>
           <a:p>
             <a:pPr marL="0" indent="0">
               <a:buNone/>
             </a:pPr>
+            <a:endParaRPr lang="en-US" altLang="ja-JP" sz="2400"/>
+          </a:p>
+          <a:p>
+            <a:pPr marL="0" indent="0">
+              <a:buNone/>
+            </a:pPr>
             <a:r>
               <a:rPr lang="en-US" altLang="ja-JP" sz="2400"/>
-              <a:t>  - usermod -aG docker ubuntu</a:t>
+              <a:t>$ exit</a:t>
             </a:r>
           </a:p>
           <a:p>
@@ -5392,6 +6005,568 @@
     <p:extLst>
       <p:ext uri="{BB962C8B-B14F-4D97-AF65-F5344CB8AC3E}">
         <p14:creationId xmlns:p14="http://schemas.microsoft.com/office/powerpoint/2010/main" val="3446600728"/>
+      </p:ext>
+    </p:extLst>
+  </p:cSld>
+  <p:clrMapOvr>
+    <a:masterClrMapping/>
+  </p:clrMapOvr>
+</p:sld>
+</file>
+
+<file path=ppt/slides/slide6.xml><?xml version="1.0" encoding="utf-8"?>
+<p:sld xmlns:a="http://schemas.openxmlformats.org/drawingml/2006/main" xmlns:r="http://schemas.openxmlformats.org/officeDocument/2006/relationships" xmlns:p="http://schemas.openxmlformats.org/presentationml/2006/main">
+  <p:cSld>
+    <p:spTree>
+      <p:nvGrpSpPr>
+        <p:cNvPr id="1" name=""/>
+        <p:cNvGrpSpPr/>
+        <p:nvPr/>
+      </p:nvGrpSpPr>
+      <p:grpSpPr>
+        <a:xfrm>
+          <a:off x="0" y="0"/>
+          <a:ext cx="0" cy="0"/>
+          <a:chOff x="0" y="0"/>
+          <a:chExt cx="0" cy="0"/>
+        </a:xfrm>
+      </p:grpSpPr>
+      <p:sp>
+        <p:nvSpPr>
+          <p:cNvPr id="5" name="コンテンツ プレースホルダー 4">
+            <a:extLst>
+              <a:ext uri="{FF2B5EF4-FFF2-40B4-BE49-F238E27FC236}">
+                <a16:creationId xmlns:a16="http://schemas.microsoft.com/office/drawing/2014/main" id="{F6163872-A705-0D48-BD98-189539800897}"/>
+              </a:ext>
+            </a:extLst>
+          </p:cNvPr>
+          <p:cNvSpPr>
+            <a:spLocks noGrp="1"/>
+          </p:cNvSpPr>
+          <p:nvPr>
+            <p:ph idx="1"/>
+          </p:nvPr>
+        </p:nvSpPr>
+        <p:spPr>
+          <a:xfrm>
+            <a:off x="838200" y="299803"/>
+            <a:ext cx="10515600" cy="5877160"/>
+          </a:xfrm>
+        </p:spPr>
+        <p:txBody>
+          <a:bodyPr>
+            <a:normAutofit/>
+          </a:bodyPr>
+          <a:lstStyle/>
+          <a:p>
+            <a:pPr marL="0" indent="0">
+              <a:buNone/>
+            </a:pPr>
+            <a:r>
+              <a:rPr lang="en-US" altLang="ja-JP"/>
+              <a:t>Ubuntu</a:t>
+            </a:r>
+            <a:r>
+              <a:rPr lang="ja-JP" altLang="en-US"/>
+              <a:t>の</a:t>
+            </a:r>
+            <a:r>
+              <a:rPr lang="en-US" altLang="ja-JP"/>
+              <a:t>IP</a:t>
+            </a:r>
+            <a:r>
+              <a:rPr lang="ja-JP" altLang="en-US"/>
+              <a:t>アドレスの確認</a:t>
+            </a:r>
+            <a:endParaRPr lang="en-US" altLang="ja-JP"/>
+          </a:p>
+          <a:p>
+            <a:pPr marL="0" indent="0">
+              <a:buNone/>
+            </a:pPr>
+            <a:r>
+              <a:rPr lang="en-US" altLang="ja-JP" sz="2400"/>
+              <a:t>$ multipass list</a:t>
+            </a:r>
+          </a:p>
+          <a:p>
+            <a:pPr marL="0" indent="0">
+              <a:buNone/>
+            </a:pPr>
+            <a:r>
+              <a:rPr lang="en-US" altLang="ja-JP" sz="2400"/>
+              <a:t>Name        State           IPv4                 Image</a:t>
+            </a:r>
+          </a:p>
+          <a:p>
+            <a:pPr marL="0" indent="0">
+              <a:buNone/>
+            </a:pPr>
+            <a:r>
+              <a:rPr lang="en-US" altLang="ja-JP" sz="2400"/>
+              <a:t>ubuntu      Running      192.168.64.2    Ubuntu 20.04 LTS</a:t>
+            </a:r>
+          </a:p>
+          <a:p>
+            <a:pPr marL="0" indent="0">
+              <a:buNone/>
+            </a:pPr>
+            <a:r>
+              <a:rPr lang="en-US" altLang="ja-JP" sz="2400"/>
+              <a:t>                                     172.17.0.1</a:t>
+            </a:r>
+          </a:p>
+          <a:p>
+            <a:pPr marL="0" indent="0">
+              <a:buNone/>
+            </a:pPr>
+            <a:endParaRPr lang="en-US" altLang="ja-JP" sz="2400"/>
+          </a:p>
+        </p:txBody>
+      </p:sp>
+    </p:spTree>
+    <p:extLst>
+      <p:ext uri="{BB962C8B-B14F-4D97-AF65-F5344CB8AC3E}">
+        <p14:creationId xmlns:p14="http://schemas.microsoft.com/office/powerpoint/2010/main" val="934269398"/>
+      </p:ext>
+    </p:extLst>
+  </p:cSld>
+  <p:clrMapOvr>
+    <a:masterClrMapping/>
+  </p:clrMapOvr>
+</p:sld>
+</file>
+
+<file path=ppt/slides/slide7.xml><?xml version="1.0" encoding="utf-8"?>
+<p:sld xmlns:a="http://schemas.openxmlformats.org/drawingml/2006/main" xmlns:r="http://schemas.openxmlformats.org/officeDocument/2006/relationships" xmlns:p="http://schemas.openxmlformats.org/presentationml/2006/main">
+  <p:cSld>
+    <p:spTree>
+      <p:nvGrpSpPr>
+        <p:cNvPr id="1" name=""/>
+        <p:cNvGrpSpPr/>
+        <p:nvPr/>
+      </p:nvGrpSpPr>
+      <p:grpSpPr>
+        <a:xfrm>
+          <a:off x="0" y="0"/>
+          <a:ext cx="0" cy="0"/>
+          <a:chOff x="0" y="0"/>
+          <a:chExt cx="0" cy="0"/>
+        </a:xfrm>
+      </p:grpSpPr>
+      <p:sp>
+        <p:nvSpPr>
+          <p:cNvPr id="5" name="コンテンツ プレースホルダー 4">
+            <a:extLst>
+              <a:ext uri="{FF2B5EF4-FFF2-40B4-BE49-F238E27FC236}">
+                <a16:creationId xmlns:a16="http://schemas.microsoft.com/office/drawing/2014/main" id="{F6163872-A705-0D48-BD98-189539800897}"/>
+              </a:ext>
+            </a:extLst>
+          </p:cNvPr>
+          <p:cNvSpPr>
+            <a:spLocks noGrp="1"/>
+          </p:cNvSpPr>
+          <p:nvPr>
+            <p:ph idx="1"/>
+          </p:nvPr>
+        </p:nvSpPr>
+        <p:spPr>
+          <a:xfrm>
+            <a:off x="838200" y="299803"/>
+            <a:ext cx="10515600" cy="5877160"/>
+          </a:xfrm>
+        </p:spPr>
+        <p:txBody>
+          <a:bodyPr>
+            <a:normAutofit/>
+          </a:bodyPr>
+          <a:lstStyle/>
+          <a:p>
+            <a:pPr marL="0" indent="0">
+              <a:buNone/>
+            </a:pPr>
+            <a:r>
+              <a:rPr lang="en-US" altLang="ja-JP"/>
+              <a:t>multipass.id_rsa</a:t>
+            </a:r>
+            <a:r>
+              <a:rPr lang="ja-JP" altLang="en-US"/>
+              <a:t>のインストール</a:t>
+            </a:r>
+            <a:endParaRPr lang="en-US" altLang="ja-JP"/>
+          </a:p>
+          <a:p>
+            <a:pPr marL="0" indent="0">
+              <a:buNone/>
+            </a:pPr>
+            <a:r>
+              <a:rPr lang="en-US" altLang="ja-JP" sz="2400"/>
+              <a:t>$ ./install_id_rsa.sh</a:t>
+            </a:r>
+          </a:p>
+          <a:p>
+            <a:pPr marL="0" indent="0">
+              <a:buNone/>
+            </a:pPr>
+            <a:endParaRPr lang="en-US" altLang="ja-JP" sz="2400"/>
+          </a:p>
+          <a:p>
+            <a:pPr marL="0" indent="0">
+              <a:buNone/>
+            </a:pPr>
+            <a:r>
+              <a:rPr lang="ja-JP" altLang="en-US"/>
+              <a:t>インストールの確認</a:t>
+            </a:r>
+            <a:endParaRPr lang="en-US" altLang="ja-JP"/>
+          </a:p>
+          <a:p>
+            <a:pPr marL="0" indent="0">
+              <a:buNone/>
+            </a:pPr>
+            <a:r>
+              <a:rPr lang="en-US" altLang="ja-JP" sz="2400"/>
+              <a:t>$ ls ~/.ssh/</a:t>
+            </a:r>
+          </a:p>
+          <a:p>
+            <a:pPr marL="0" indent="0">
+              <a:buNone/>
+            </a:pPr>
+            <a:r>
+              <a:rPr lang="en-US" altLang="ja-JP" sz="2400"/>
+              <a:t>multipass.id_rsa</a:t>
+            </a:r>
+          </a:p>
+          <a:p>
+            <a:pPr marL="0" indent="0">
+              <a:buNone/>
+            </a:pPr>
+            <a:endParaRPr lang="en-US" altLang="ja-JP" sz="2400"/>
+          </a:p>
+          <a:p>
+            <a:pPr marL="0" indent="0">
+              <a:buNone/>
+            </a:pPr>
+            <a:endParaRPr lang="en-US" altLang="ja-JP" sz="2400"/>
+          </a:p>
+        </p:txBody>
+      </p:sp>
+    </p:spTree>
+    <p:extLst>
+      <p:ext uri="{BB962C8B-B14F-4D97-AF65-F5344CB8AC3E}">
+        <p14:creationId xmlns:p14="http://schemas.microsoft.com/office/powerpoint/2010/main" val="3338775440"/>
+      </p:ext>
+    </p:extLst>
+  </p:cSld>
+  <p:clrMapOvr>
+    <a:masterClrMapping/>
+  </p:clrMapOvr>
+</p:sld>
+</file>
+
+<file path=ppt/slides/slide8.xml><?xml version="1.0" encoding="utf-8"?>
+<p:sld xmlns:a="http://schemas.openxmlformats.org/drawingml/2006/main" xmlns:r="http://schemas.openxmlformats.org/officeDocument/2006/relationships" xmlns:p="http://schemas.openxmlformats.org/presentationml/2006/main">
+  <p:cSld>
+    <p:spTree>
+      <p:nvGrpSpPr>
+        <p:cNvPr id="1" name=""/>
+        <p:cNvGrpSpPr/>
+        <p:nvPr/>
+      </p:nvGrpSpPr>
+      <p:grpSpPr>
+        <a:xfrm>
+          <a:off x="0" y="0"/>
+          <a:ext cx="0" cy="0"/>
+          <a:chOff x="0" y="0"/>
+          <a:chExt cx="0" cy="0"/>
+        </a:xfrm>
+      </p:grpSpPr>
+      <p:sp>
+        <p:nvSpPr>
+          <p:cNvPr id="5" name="コンテンツ プレースホルダー 4">
+            <a:extLst>
+              <a:ext uri="{FF2B5EF4-FFF2-40B4-BE49-F238E27FC236}">
+                <a16:creationId xmlns:a16="http://schemas.microsoft.com/office/drawing/2014/main" id="{F6163872-A705-0D48-BD98-189539800897}"/>
+              </a:ext>
+            </a:extLst>
+          </p:cNvPr>
+          <p:cNvSpPr>
+            <a:spLocks noGrp="1"/>
+          </p:cNvSpPr>
+          <p:nvPr>
+            <p:ph idx="1"/>
+          </p:nvPr>
+        </p:nvSpPr>
+        <p:spPr>
+          <a:xfrm>
+            <a:off x="838200" y="299803"/>
+            <a:ext cx="10515600" cy="5877160"/>
+          </a:xfrm>
+        </p:spPr>
+        <p:txBody>
+          <a:bodyPr>
+            <a:normAutofit/>
+          </a:bodyPr>
+          <a:lstStyle/>
+          <a:p>
+            <a:pPr marL="0" indent="0">
+              <a:buNone/>
+            </a:pPr>
+            <a:r>
+              <a:rPr lang="en-US" altLang="ja-JP"/>
+              <a:t>~/.ssh/config</a:t>
+            </a:r>
+            <a:r>
+              <a:rPr lang="ja-JP" altLang="en-US"/>
+              <a:t>の編集</a:t>
+            </a:r>
+            <a:endParaRPr lang="en-US" altLang="ja-JP"/>
+          </a:p>
+          <a:p>
+            <a:pPr marL="0" indent="0">
+              <a:buNone/>
+            </a:pPr>
+            <a:r>
+              <a:rPr lang="en-US" altLang="ja-JP" sz="2400"/>
+              <a:t>$ vim ~/.ssh/config</a:t>
+            </a:r>
+          </a:p>
+          <a:p>
+            <a:pPr marL="0" indent="0">
+              <a:buNone/>
+            </a:pPr>
+            <a:endParaRPr lang="en-US" altLang="ja-JP" sz="2400"/>
+          </a:p>
+          <a:p>
+            <a:pPr marL="0" indent="0">
+              <a:buNone/>
+            </a:pPr>
+            <a:r>
+              <a:rPr lang="en-US" altLang="ja-JP"/>
+              <a:t>~/.ssh/config</a:t>
+            </a:r>
+          </a:p>
+          <a:p>
+            <a:pPr marL="0" indent="0">
+              <a:buNone/>
+            </a:pPr>
+            <a:r>
+              <a:rPr lang="en-US" altLang="ja-JP" sz="2400"/>
+              <a:t>Host ubuntu</a:t>
+            </a:r>
+          </a:p>
+          <a:p>
+            <a:pPr marL="0" indent="0">
+              <a:buNone/>
+            </a:pPr>
+            <a:r>
+              <a:rPr lang="en-US" altLang="ja-JP" sz="2400"/>
+              <a:t>  hostname 192.168.64.2</a:t>
+            </a:r>
+          </a:p>
+          <a:p>
+            <a:pPr marL="0" indent="0">
+              <a:buNone/>
+            </a:pPr>
+            <a:r>
+              <a:rPr lang="en-US" altLang="ja-JP" sz="2400"/>
+              <a:t>  User ubuntu</a:t>
+            </a:r>
+          </a:p>
+          <a:p>
+            <a:pPr marL="0" indent="0">
+              <a:buNone/>
+            </a:pPr>
+            <a:r>
+              <a:rPr lang="en-US" altLang="ja-JP" sz="2400"/>
+              <a:t>  IdentityFile ~/.ssh/multipass.id_rsa</a:t>
+            </a:r>
+          </a:p>
+          <a:p>
+            <a:pPr marL="0" indent="0">
+              <a:buNone/>
+            </a:pPr>
+            <a:endParaRPr lang="en-US" altLang="ja-JP" sz="2400"/>
+          </a:p>
+          <a:p>
+            <a:pPr marL="0" indent="0">
+              <a:buNone/>
+            </a:pPr>
+            <a:endParaRPr lang="en-US" altLang="ja-JP" sz="2400"/>
+          </a:p>
+        </p:txBody>
+      </p:sp>
+    </p:spTree>
+    <p:extLst>
+      <p:ext uri="{BB962C8B-B14F-4D97-AF65-F5344CB8AC3E}">
+        <p14:creationId xmlns:p14="http://schemas.microsoft.com/office/powerpoint/2010/main" val="2068341185"/>
+      </p:ext>
+    </p:extLst>
+  </p:cSld>
+  <p:clrMapOvr>
+    <a:masterClrMapping/>
+  </p:clrMapOvr>
+</p:sld>
+</file>
+
+<file path=ppt/slides/slide9.xml><?xml version="1.0" encoding="utf-8"?>
+<p:sld xmlns:a="http://schemas.openxmlformats.org/drawingml/2006/main" xmlns:r="http://schemas.openxmlformats.org/officeDocument/2006/relationships" xmlns:p="http://schemas.openxmlformats.org/presentationml/2006/main">
+  <p:cSld>
+    <p:spTree>
+      <p:nvGrpSpPr>
+        <p:cNvPr id="1" name=""/>
+        <p:cNvGrpSpPr/>
+        <p:nvPr/>
+      </p:nvGrpSpPr>
+      <p:grpSpPr>
+        <a:xfrm>
+          <a:off x="0" y="0"/>
+          <a:ext cx="0" cy="0"/>
+          <a:chOff x="0" y="0"/>
+          <a:chExt cx="0" cy="0"/>
+        </a:xfrm>
+      </p:grpSpPr>
+      <p:sp>
+        <p:nvSpPr>
+          <p:cNvPr id="5" name="コンテンツ プレースホルダー 4">
+            <a:extLst>
+              <a:ext uri="{FF2B5EF4-FFF2-40B4-BE49-F238E27FC236}">
+                <a16:creationId xmlns:a16="http://schemas.microsoft.com/office/drawing/2014/main" id="{F6163872-A705-0D48-BD98-189539800897}"/>
+              </a:ext>
+            </a:extLst>
+          </p:cNvPr>
+          <p:cNvSpPr>
+            <a:spLocks noGrp="1"/>
+          </p:cNvSpPr>
+          <p:nvPr>
+            <p:ph idx="1"/>
+          </p:nvPr>
+        </p:nvSpPr>
+        <p:spPr>
+          <a:xfrm>
+            <a:off x="838200" y="299803"/>
+            <a:ext cx="10515600" cy="5877160"/>
+          </a:xfrm>
+        </p:spPr>
+        <p:txBody>
+          <a:bodyPr>
+            <a:normAutofit/>
+          </a:bodyPr>
+          <a:lstStyle/>
+          <a:p>
+            <a:pPr marL="0" indent="0">
+              <a:buNone/>
+            </a:pPr>
+            <a:r>
+              <a:rPr lang="en-US" altLang="ja-JP"/>
+              <a:t>Ubuntu</a:t>
+            </a:r>
+            <a:r>
+              <a:rPr lang="ja-JP" altLang="en-US"/>
+              <a:t>への</a:t>
+            </a:r>
+            <a:r>
+              <a:rPr lang="en-US" altLang="ja-JP"/>
+              <a:t>SSH</a:t>
+            </a:r>
+            <a:r>
+              <a:rPr lang="ja-JP" altLang="en-US"/>
+              <a:t>接続</a:t>
+            </a:r>
+            <a:endParaRPr lang="en-US" altLang="ja-JP"/>
+          </a:p>
+          <a:p>
+            <a:pPr marL="0" indent="0">
+              <a:buNone/>
+            </a:pPr>
+            <a:r>
+              <a:rPr lang="en-US" altLang="ja-JP" sz="2400"/>
+              <a:t>$ ssh ubuntu</a:t>
+            </a:r>
+          </a:p>
+          <a:p>
+            <a:pPr marL="0" indent="0">
+              <a:buNone/>
+            </a:pPr>
+            <a:r>
+              <a:rPr lang="en-US" altLang="ja-JP" sz="2400"/>
+              <a:t>Are you sure you want to continue connecting (yes/no/[fingerprint])? yes</a:t>
+            </a:r>
+          </a:p>
+          <a:p>
+            <a:pPr marL="0" indent="0">
+              <a:buNone/>
+            </a:pPr>
+            <a:endParaRPr lang="en-US" altLang="ja-JP" sz="2400"/>
+          </a:p>
+          <a:p>
+            <a:pPr marL="0" indent="0">
+              <a:buNone/>
+            </a:pPr>
+            <a:r>
+              <a:rPr lang="en-US" altLang="ja-JP" sz="2400"/>
+              <a:t>docker</a:t>
+            </a:r>
+            <a:r>
+              <a:rPr lang="ja-JP" altLang="en-US" sz="2400"/>
+              <a:t>コマンドの実行</a:t>
+            </a:r>
+            <a:endParaRPr lang="en-US" altLang="ja-JP" sz="2400"/>
+          </a:p>
+          <a:p>
+            <a:pPr marL="0" indent="0">
+              <a:buNone/>
+            </a:pPr>
+            <a:r>
+              <a:rPr lang="en-US" altLang="ja-JP" sz="2400"/>
+              <a:t>$ docker ps</a:t>
+            </a:r>
+          </a:p>
+          <a:p>
+            <a:pPr marL="0" indent="0">
+              <a:buNone/>
+            </a:pPr>
+            <a:r>
+              <a:rPr lang="en-US" altLang="ja-JP" sz="2000"/>
+              <a:t>CONTAINER ID   IMAGE     COMMAND   CREATED   STATUS    PORTS     NAMES</a:t>
+            </a:r>
+          </a:p>
+          <a:p>
+            <a:pPr marL="0" indent="0">
+              <a:buNone/>
+            </a:pPr>
+            <a:endParaRPr lang="en-US" altLang="ja-JP" sz="2000"/>
+          </a:p>
+          <a:p>
+            <a:pPr marL="0" indent="0">
+              <a:buNone/>
+            </a:pPr>
+            <a:r>
+              <a:rPr lang="en-US" altLang="ja-JP"/>
+              <a:t>SSH</a:t>
+            </a:r>
+            <a:r>
+              <a:rPr lang="ja-JP" altLang="en-US"/>
+              <a:t>接続の終了</a:t>
+            </a:r>
+            <a:endParaRPr lang="en-US" altLang="ja-JP"/>
+          </a:p>
+          <a:p>
+            <a:pPr marL="0" indent="0">
+              <a:buNone/>
+            </a:pPr>
+            <a:r>
+              <a:rPr lang="en-US" altLang="ja-JP" sz="2400"/>
+              <a:t>$ exit</a:t>
+            </a:r>
+          </a:p>
+        </p:txBody>
+      </p:sp>
+    </p:spTree>
+    <p:extLst>
+      <p:ext uri="{BB962C8B-B14F-4D97-AF65-F5344CB8AC3E}">
+        <p14:creationId xmlns:p14="http://schemas.microsoft.com/office/powerpoint/2010/main" val="1627183728"/>
       </p:ext>
     </p:extLst>
   </p:cSld>
